--- a/team1Presentation.pptx
+++ b/team1Presentation.pptx
@@ -14959,7 +14959,7 @@
             </a:r>
             <a:r>
               <a:rPr lang="ko-KR" altLang="en-US" dirty="0" err="1"/>
-              <a:t>어디있지</a:t>
+              <a:t>어딨지</a:t>
             </a:r>
             <a:r>
               <a:rPr lang="ko-KR" altLang="en-US" dirty="0"/>
@@ -15152,6 +15152,9 @@
             </a:r>
           </a:p>
           <a:p>
+            <a:endParaRPr lang="en-US" altLang="ko-KR" dirty="0"/>
+          </a:p>
+          <a:p>
             <a:r>
               <a:rPr lang="ko-KR" altLang="en-US" dirty="0"/>
               <a:t>저희</a:t>
@@ -15191,6 +15194,15 @@
             <a:r>
               <a:rPr lang="en-US" altLang="ko-KR" dirty="0"/>
               <a:t>.</a:t>
+            </a:r>
+          </a:p>
+          <a:p>
+            <a:endParaRPr lang="en-US" altLang="ko-KR" dirty="0"/>
+          </a:p>
+          <a:p>
+            <a:r>
+              <a:rPr lang="en-US" altLang="ko-KR" dirty="0"/>
+              <a:t>https://github.com/kanei0415/VaccineCMSJavaSwing</a:t>
             </a:r>
           </a:p>
         </p:txBody>
@@ -15257,24 +15269,17 @@
             <p:ph idx="1"/>
           </p:nvPr>
         </p:nvSpPr>
-        <p:spPr/>
+        <p:spPr>
+          <a:xfrm>
+            <a:off x="814917" y="4419600"/>
+            <a:ext cx="7514166" cy="1252728"/>
+          </a:xfrm>
+        </p:spPr>
         <p:txBody>
           <a:bodyPr/>
           <a:lstStyle/>
           <a:p>
-            <a:r>
-              <a:rPr lang="en-US" dirty="0"/>
-              <a:t>Navigate through your menus, functions, and features.</a:t>
-            </a:r>
-          </a:p>
-          <a:p>
             <a:endParaRPr lang="en-US" dirty="0"/>
-          </a:p>
-          <a:p>
-            <a:r>
-              <a:rPr lang="en-US" dirty="0"/>
-              <a:t>Get some screen shots.</a:t>
-            </a:r>
           </a:p>
         </p:txBody>
       </p:sp>
@@ -15690,7 +15695,7 @@
           <a:p>
             <a:r>
               <a:rPr lang="en-US" dirty="0"/>
-              <a:t>Total Lines of Code: OOOO (750+ ?: O / X)</a:t>
+              <a:t>Total Lines of Code: 4000+</a:t>
             </a:r>
           </a:p>
           <a:p>
@@ -15703,49 +15708,66 @@
             <a:pPr lvl="1"/>
             <a:r>
               <a:rPr lang="en-US" dirty="0"/>
-              <a:t>Class: O / X</a:t>
+              <a:t>Class: O </a:t>
             </a:r>
           </a:p>
           <a:p>
             <a:pPr lvl="1"/>
             <a:r>
               <a:rPr lang="en-US" dirty="0"/>
-              <a:t>Inheritance: O / X</a:t>
+              <a:t>Inheritance: O</a:t>
             </a:r>
           </a:p>
           <a:p>
             <a:pPr lvl="1"/>
             <a:r>
               <a:rPr lang="en-US" dirty="0"/>
-              <a:t>File I/O: O / X</a:t>
+              <a:t>File I/O: O</a:t>
             </a:r>
           </a:p>
           <a:p>
             <a:pPr lvl="1"/>
             <a:r>
               <a:rPr lang="en-US" dirty="0"/>
-              <a:t>Collection (which collection?): O / X</a:t>
+              <a:t>Collection (which collection?): O - </a:t>
             </a:r>
+            <a:r>
+              <a:rPr lang="ko-KR" altLang="en-US" dirty="0"/>
+              <a:t> </a:t>
+            </a:r>
+            <a:r>
+              <a:rPr lang="en-US" altLang="ko-KR" dirty="0" err="1"/>
+              <a:t>ArrayList</a:t>
+            </a:r>
+            <a:endParaRPr lang="en-US" dirty="0"/>
           </a:p>
           <a:p>
             <a:pPr lvl="1"/>
             <a:r>
               <a:rPr lang="en-US" dirty="0"/>
-              <a:t>Swing-like GUI: O/ X</a:t>
+              <a:t>Swing-like GUI: O</a:t>
             </a:r>
           </a:p>
           <a:p>
             <a:pPr lvl="1"/>
             <a:r>
               <a:rPr lang="en-US" dirty="0"/>
-              <a:t>Object Serialization/Deserialization: O / X </a:t>
+              <a:t>Object Serialization/Deserialization: </a:t>
+            </a:r>
+            <a:r>
+              <a:rPr lang="en-US" altLang="ko-KR" dirty="0"/>
+              <a:t>O</a:t>
+            </a:r>
+            <a:r>
+              <a:rPr lang="en-US" dirty="0"/>
+              <a:t> </a:t>
             </a:r>
           </a:p>
           <a:p>
             <a:pPr lvl="1"/>
             <a:r>
               <a:rPr lang="en-US" dirty="0"/>
-              <a:t>Utility Libraries: O / X </a:t>
+              <a:t>Utility Libraries: O </a:t>
             </a:r>
           </a:p>
           <a:p>
@@ -15758,7 +15780,11 @@
             <a:pPr lvl="1"/>
             <a:r>
               <a:rPr lang="en-US" altLang="en-US" dirty="0"/>
-              <a:t>Multi-threading: O / X </a:t>
+              <a:t>Multi-threading: </a:t>
+            </a:r>
+            <a:r>
+              <a:rPr lang="en-US" altLang="ko-KR" dirty="0"/>
+              <a:t>O </a:t>
             </a:r>
           </a:p>
           <a:p>
@@ -15771,7 +15797,7 @@
           <a:p>
             <a:r>
               <a:rPr lang="en-US" dirty="0"/>
-              <a:t>README file: O / X</a:t>
+              <a:t>README file: O</a:t>
             </a:r>
           </a:p>
           <a:p>

--- a/team1Presentation.pptx
+++ b/team1Presentation.pptx
@@ -15880,12 +15880,12 @@
           <a:lstStyle/>
           <a:p>
             <a:r>
-              <a:rPr lang="en-US" dirty="0"/>
-              <a:t>Now show your demo or </a:t>
+              <a:rPr lang="ko-KR" altLang="en-US" dirty="0"/>
+              <a:t>직접 </a:t>
             </a:r>
             <a:r>
-              <a:rPr lang="en-US"/>
-              <a:t>play YouTube video.</a:t>
+              <a:rPr lang="ko-KR" altLang="en-US" dirty="0" err="1"/>
+              <a:t>보여드림</a:t>
             </a:r>
             <a:endParaRPr lang="en-US" dirty="0"/>
           </a:p>

--- a/team1Presentation.pptx
+++ b/team1Presentation.pptx
@@ -217,7 +217,7 @@
           <a:p>
             <a:fld id="{B615C48D-2C4B-466D-8AD2-B0795F1F475D}" type="datetimeFigureOut">
               <a:rPr lang="en-US" smtClean="0"/>
-              <a:t>5/29/2021</a:t>
+              <a:t>5/30/2021</a:t>
             </a:fld>
             <a:endParaRPr lang="en-US"/>
           </a:p>
@@ -2296,7 +2296,7 @@
           <a:p>
             <a:fld id="{505E2138-93C7-41B3-9886-9E217E457D36}" type="datetimeFigureOut">
               <a:rPr lang="en-US" smtClean="0"/>
-              <a:t>5/29/2021</a:t>
+              <a:t>5/30/2021</a:t>
             </a:fld>
             <a:endParaRPr lang="en-US"/>
           </a:p>
@@ -2475,7 +2475,7 @@
           <a:p>
             <a:fld id="{505E2138-93C7-41B3-9886-9E217E457D36}" type="datetimeFigureOut">
               <a:rPr lang="en-US" smtClean="0"/>
-              <a:t>5/29/2021</a:t>
+              <a:t>5/30/2021</a:t>
             </a:fld>
             <a:endParaRPr lang="en-US"/>
           </a:p>
@@ -2626,7 +2626,7 @@
           <a:p>
             <a:fld id="{505E2138-93C7-41B3-9886-9E217E457D36}" type="datetimeFigureOut">
               <a:rPr lang="en-US" smtClean="0"/>
-              <a:t>5/29/2021</a:t>
+              <a:t>5/30/2021</a:t>
             </a:fld>
             <a:endParaRPr lang="en-US"/>
           </a:p>
@@ -4451,7 +4451,7 @@
           <a:p>
             <a:fld id="{505E2138-93C7-41B3-9886-9E217E457D36}" type="datetimeFigureOut">
               <a:rPr lang="en-US" smtClean="0"/>
-              <a:t>5/29/2021</a:t>
+              <a:t>5/30/2021</a:t>
             </a:fld>
             <a:endParaRPr lang="en-US"/>
           </a:p>
@@ -6320,7 +6320,7 @@
           <a:p>
             <a:fld id="{505E2138-93C7-41B3-9886-9E217E457D36}" type="datetimeFigureOut">
               <a:rPr lang="en-US" smtClean="0"/>
-              <a:t>5/29/2021</a:t>
+              <a:t>5/30/2021</a:t>
             </a:fld>
             <a:endParaRPr lang="en-US"/>
           </a:p>
@@ -6432,7 +6432,7 @@
           <a:p>
             <a:fld id="{505E2138-93C7-41B3-9886-9E217E457D36}" type="datetimeFigureOut">
               <a:rPr lang="en-US" smtClean="0"/>
-              <a:t>5/29/2021</a:t>
+              <a:t>5/30/2021</a:t>
             </a:fld>
             <a:endParaRPr lang="en-US"/>
           </a:p>
@@ -6970,7 +6970,7 @@
           <a:p>
             <a:fld id="{505E2138-93C7-41B3-9886-9E217E457D36}" type="datetimeFigureOut">
               <a:rPr lang="en-US" smtClean="0"/>
-              <a:t>5/29/2021</a:t>
+              <a:t>5/30/2021</a:t>
             </a:fld>
             <a:endParaRPr lang="en-US"/>
           </a:p>
@@ -7082,7 +7082,7 @@
           <a:p>
             <a:fld id="{505E2138-93C7-41B3-9886-9E217E457D36}" type="datetimeFigureOut">
               <a:rPr lang="en-US" smtClean="0"/>
-              <a:t>5/29/2021</a:t>
+              <a:t>5/30/2021</a:t>
             </a:fld>
             <a:endParaRPr lang="en-US"/>
           </a:p>
@@ -8793,7 +8793,7 @@
           <a:p>
             <a:fld id="{505E2138-93C7-41B3-9886-9E217E457D36}" type="datetimeFigureOut">
               <a:rPr lang="en-US" smtClean="0"/>
-              <a:t>5/29/2021</a:t>
+              <a:t>5/30/2021</a:t>
             </a:fld>
             <a:endParaRPr lang="en-US"/>
           </a:p>
@@ -8944,7 +8944,7 @@
           <a:p>
             <a:fld id="{505E2138-93C7-41B3-9886-9E217E457D36}" type="datetimeFigureOut">
               <a:rPr lang="en-US" smtClean="0"/>
-              <a:t>5/29/2021</a:t>
+              <a:t>5/30/2021</a:t>
             </a:fld>
             <a:endParaRPr lang="en-US"/>
           </a:p>
@@ -12559,7 +12559,7 @@
           <a:p>
             <a:fld id="{505E2138-93C7-41B3-9886-9E217E457D36}" type="datetimeFigureOut">
               <a:rPr lang="en-US" smtClean="0"/>
-              <a:t>5/29/2021</a:t>
+              <a:t>5/30/2021</a:t>
             </a:fld>
             <a:endParaRPr lang="en-US"/>
           </a:p>
@@ -14418,7 +14418,7 @@
           <a:p>
             <a:fld id="{505E2138-93C7-41B3-9886-9E217E457D36}" type="datetimeFigureOut">
               <a:rPr lang="en-US" smtClean="0"/>
-              <a:t>5/29/2021</a:t>
+              <a:t>5/30/2021</a:t>
             </a:fld>
             <a:endParaRPr lang="en-US"/>
           </a:p>
@@ -15259,30 +15259,41 @@
           <a:chExt cx="0" cy="0"/>
         </a:xfrm>
       </p:grpSpPr>
-      <p:sp>
-        <p:nvSpPr>
-          <p:cNvPr id="2" name="Content Placeholder 1"/>
-          <p:cNvSpPr>
-            <a:spLocks noGrp="1"/>
-          </p:cNvSpPr>
+      <p:pic>
+        <p:nvPicPr>
+          <p:cNvPr id="5" name="내용 개체 틀 4">
+            <a:extLst>
+              <a:ext uri="{FF2B5EF4-FFF2-40B4-BE49-F238E27FC236}">
+                <a16:creationId xmlns:a16="http://schemas.microsoft.com/office/drawing/2014/main" id="{18C67A30-86DF-4649-8399-28C18487069E}"/>
+              </a:ext>
+            </a:extLst>
+          </p:cNvPr>
+          <p:cNvPicPr>
+            <a:picLocks noGrp="1" noChangeAspect="1"/>
+          </p:cNvPicPr>
           <p:nvPr>
             <p:ph idx="1"/>
           </p:nvPr>
-        </p:nvSpPr>
+        </p:nvPicPr>
+        <p:blipFill>
+          <a:blip r:embed="rId2">
+            <a:extLst>
+              <a:ext uri="{28A0092B-C50C-407E-A947-70E740481C1C}">
+                <a14:useLocalDpi xmlns:a14="http://schemas.microsoft.com/office/drawing/2010/main" val="0"/>
+              </a:ext>
+            </a:extLst>
+          </a:blip>
+          <a:stretch>
+            <a:fillRect/>
+          </a:stretch>
+        </p:blipFill>
         <p:spPr>
           <a:xfrm>
-            <a:off x="814917" y="4419600"/>
-            <a:ext cx="7514166" cy="1252728"/>
+            <a:off x="1303750" y="1828799"/>
+            <a:ext cx="7002050" cy="2683495"/>
           </a:xfrm>
         </p:spPr>
-        <p:txBody>
-          <a:bodyPr/>
-          <a:lstStyle/>
-          <a:p>
-            <a:endParaRPr lang="en-US" dirty="0"/>
-          </a:p>
-        </p:txBody>
-      </p:sp>
+      </p:pic>
       <p:sp>
         <p:nvSpPr>
           <p:cNvPr id="3" name="Title 2"/>
@@ -15337,37 +15348,6 @@
       </p:grpSpPr>
       <p:sp>
         <p:nvSpPr>
-          <p:cNvPr id="2" name="Content Placeholder 1"/>
-          <p:cNvSpPr>
-            <a:spLocks noGrp="1"/>
-          </p:cNvSpPr>
-          <p:nvPr>
-            <p:ph idx="1"/>
-          </p:nvPr>
-        </p:nvSpPr>
-        <p:spPr/>
-        <p:txBody>
-          <a:bodyPr/>
-          <a:lstStyle/>
-          <a:p>
-            <a:r>
-              <a:rPr lang="en-US" dirty="0"/>
-              <a:t>Navigate through your menus, functions, and features.</a:t>
-            </a:r>
-          </a:p>
-          <a:p>
-            <a:endParaRPr lang="en-US" dirty="0"/>
-          </a:p>
-          <a:p>
-            <a:r>
-              <a:rPr lang="en-US" dirty="0"/>
-              <a:t>Get some screen shots.</a:t>
-            </a:r>
-          </a:p>
-        </p:txBody>
-      </p:sp>
-      <p:sp>
-        <p:nvSpPr>
           <p:cNvPr id="3" name="Title 2"/>
           <p:cNvSpPr>
             <a:spLocks noGrp="1"/>
@@ -15388,6 +15368,41 @@
           </a:p>
         </p:txBody>
       </p:sp>
+      <p:pic>
+        <p:nvPicPr>
+          <p:cNvPr id="7" name="내용 개체 틀 6">
+            <a:extLst>
+              <a:ext uri="{FF2B5EF4-FFF2-40B4-BE49-F238E27FC236}">
+                <a16:creationId xmlns:a16="http://schemas.microsoft.com/office/drawing/2014/main" id="{6BC2FF0A-04C9-46EA-8504-2ED8CD1C0CF2}"/>
+              </a:ext>
+            </a:extLst>
+          </p:cNvPr>
+          <p:cNvPicPr>
+            <a:picLocks noGrp="1" noChangeAspect="1"/>
+          </p:cNvPicPr>
+          <p:nvPr>
+            <p:ph idx="1"/>
+          </p:nvPr>
+        </p:nvPicPr>
+        <p:blipFill>
+          <a:blip r:embed="rId2">
+            <a:extLst>
+              <a:ext uri="{28A0092B-C50C-407E-A947-70E740481C1C}">
+                <a14:useLocalDpi xmlns:a14="http://schemas.microsoft.com/office/drawing/2010/main" val="0"/>
+              </a:ext>
+            </a:extLst>
+          </a:blip>
+          <a:stretch>
+            <a:fillRect/>
+          </a:stretch>
+        </p:blipFill>
+        <p:spPr>
+          <a:xfrm>
+            <a:off x="2133600" y="1705968"/>
+            <a:ext cx="4419600" cy="4813704"/>
+          </a:xfrm>
+        </p:spPr>
+      </p:pic>
     </p:spTree>
     <p:extLst>
       <p:ext uri="{BB962C8B-B14F-4D97-AF65-F5344CB8AC3E}">
@@ -15420,37 +15435,6 @@
       </p:grpSpPr>
       <p:sp>
         <p:nvSpPr>
-          <p:cNvPr id="2" name="Content Placeholder 1"/>
-          <p:cNvSpPr>
-            <a:spLocks noGrp="1"/>
-          </p:cNvSpPr>
-          <p:nvPr>
-            <p:ph idx="1"/>
-          </p:nvPr>
-        </p:nvSpPr>
-        <p:spPr/>
-        <p:txBody>
-          <a:bodyPr/>
-          <a:lstStyle/>
-          <a:p>
-            <a:r>
-              <a:rPr lang="en-US" dirty="0"/>
-              <a:t>Navigate through your menus, functions, and features.</a:t>
-            </a:r>
-          </a:p>
-          <a:p>
-            <a:endParaRPr lang="en-US" dirty="0"/>
-          </a:p>
-          <a:p>
-            <a:r>
-              <a:rPr lang="en-US" dirty="0"/>
-              <a:t>Get some screen shots.</a:t>
-            </a:r>
-          </a:p>
-        </p:txBody>
-      </p:sp>
-      <p:sp>
-        <p:nvSpPr>
           <p:cNvPr id="3" name="Title 2"/>
           <p:cNvSpPr>
             <a:spLocks noGrp="1"/>
@@ -15468,6 +15452,31 @@
               <a:rPr lang="en-US" dirty="0"/>
               <a:t>Detailed Project Description (3 / 5)</a:t>
             </a:r>
+          </a:p>
+        </p:txBody>
+      </p:sp>
+      <p:sp>
+        <p:nvSpPr>
+          <p:cNvPr id="5" name="내용 개체 틀 4">
+            <a:extLst>
+              <a:ext uri="{FF2B5EF4-FFF2-40B4-BE49-F238E27FC236}">
+                <a16:creationId xmlns:a16="http://schemas.microsoft.com/office/drawing/2014/main" id="{3D9AFF83-3C92-44B3-BBE3-7E23FF85B2DD}"/>
+              </a:ext>
+            </a:extLst>
+          </p:cNvPr>
+          <p:cNvSpPr>
+            <a:spLocks noGrp="1"/>
+          </p:cNvSpPr>
+          <p:nvPr>
+            <p:ph idx="1"/>
+          </p:nvPr>
+        </p:nvSpPr>
+        <p:spPr/>
+        <p:txBody>
+          <a:bodyPr/>
+          <a:lstStyle/>
+          <a:p>
+            <a:endParaRPr lang="ko-KR" altLang="en-US"/>
           </a:p>
         </p:txBody>
       </p:sp>
@@ -15503,37 +15512,6 @@
       </p:grpSpPr>
       <p:sp>
         <p:nvSpPr>
-          <p:cNvPr id="2" name="Content Placeholder 1"/>
-          <p:cNvSpPr>
-            <a:spLocks noGrp="1"/>
-          </p:cNvSpPr>
-          <p:nvPr>
-            <p:ph idx="1"/>
-          </p:nvPr>
-        </p:nvSpPr>
-        <p:spPr/>
-        <p:txBody>
-          <a:bodyPr/>
-          <a:lstStyle/>
-          <a:p>
-            <a:r>
-              <a:rPr lang="en-US" dirty="0"/>
-              <a:t>Navigate through your menus, functions, and features.</a:t>
-            </a:r>
-          </a:p>
-          <a:p>
-            <a:endParaRPr lang="en-US" dirty="0"/>
-          </a:p>
-          <a:p>
-            <a:r>
-              <a:rPr lang="en-US" dirty="0"/>
-              <a:t>Get some screen shots.</a:t>
-            </a:r>
-          </a:p>
-        </p:txBody>
-      </p:sp>
-      <p:sp>
-        <p:nvSpPr>
           <p:cNvPr id="3" name="Title 2"/>
           <p:cNvSpPr>
             <a:spLocks noGrp="1"/>
@@ -15553,6 +15531,31 @@
               <a:rPr lang="en-US" dirty="0"/>
               <a:t>Detailed Project Description (4 / 5)</a:t>
             </a:r>
+          </a:p>
+        </p:txBody>
+      </p:sp>
+      <p:sp>
+        <p:nvSpPr>
+          <p:cNvPr id="5" name="내용 개체 틀 4">
+            <a:extLst>
+              <a:ext uri="{FF2B5EF4-FFF2-40B4-BE49-F238E27FC236}">
+                <a16:creationId xmlns:a16="http://schemas.microsoft.com/office/drawing/2014/main" id="{A55BB381-A22B-482D-BD63-D33821134E0C}"/>
+              </a:ext>
+            </a:extLst>
+          </p:cNvPr>
+          <p:cNvSpPr>
+            <a:spLocks noGrp="1"/>
+          </p:cNvSpPr>
+          <p:nvPr>
+            <p:ph idx="1"/>
+          </p:nvPr>
+        </p:nvSpPr>
+        <p:spPr/>
+        <p:txBody>
+          <a:bodyPr/>
+          <a:lstStyle/>
+          <a:p>
+            <a:endParaRPr lang="ko-KR" altLang="en-US"/>
           </a:p>
         </p:txBody>
       </p:sp>
@@ -15588,37 +15591,6 @@
       </p:grpSpPr>
       <p:sp>
         <p:nvSpPr>
-          <p:cNvPr id="2" name="Content Placeholder 1"/>
-          <p:cNvSpPr>
-            <a:spLocks noGrp="1"/>
-          </p:cNvSpPr>
-          <p:nvPr>
-            <p:ph idx="1"/>
-          </p:nvPr>
-        </p:nvSpPr>
-        <p:spPr/>
-        <p:txBody>
-          <a:bodyPr/>
-          <a:lstStyle/>
-          <a:p>
-            <a:r>
-              <a:rPr lang="en-US" dirty="0"/>
-              <a:t>Navigate through your menus, functions, and features.</a:t>
-            </a:r>
-          </a:p>
-          <a:p>
-            <a:endParaRPr lang="en-US" dirty="0"/>
-          </a:p>
-          <a:p>
-            <a:r>
-              <a:rPr lang="en-US" dirty="0"/>
-              <a:t>Get some screen shots.</a:t>
-            </a:r>
-          </a:p>
-        </p:txBody>
-      </p:sp>
-      <p:sp>
-        <p:nvSpPr>
           <p:cNvPr id="3" name="Title 2"/>
           <p:cNvSpPr>
             <a:spLocks noGrp="1"/>
@@ -15638,6 +15610,31 @@
               <a:rPr lang="en-US" dirty="0"/>
               <a:t>Detailed Project Description (5 / 5)</a:t>
             </a:r>
+          </a:p>
+        </p:txBody>
+      </p:sp>
+      <p:sp>
+        <p:nvSpPr>
+          <p:cNvPr id="5" name="내용 개체 틀 4">
+            <a:extLst>
+              <a:ext uri="{FF2B5EF4-FFF2-40B4-BE49-F238E27FC236}">
+                <a16:creationId xmlns:a16="http://schemas.microsoft.com/office/drawing/2014/main" id="{289D71FE-4F48-4FF3-9811-0F1BD7D83B69}"/>
+              </a:ext>
+            </a:extLst>
+          </p:cNvPr>
+          <p:cNvSpPr>
+            <a:spLocks noGrp="1"/>
+          </p:cNvSpPr>
+          <p:nvPr>
+            <p:ph idx="1"/>
+          </p:nvPr>
+        </p:nvSpPr>
+        <p:spPr/>
+        <p:txBody>
+          <a:bodyPr/>
+          <a:lstStyle/>
+          <a:p>
+            <a:endParaRPr lang="ko-KR" altLang="en-US"/>
           </a:p>
         </p:txBody>
       </p:sp>

--- a/team1Presentation.pptx
+++ b/team1Presentation.pptx
@@ -5,19 +5,24 @@
     <p:sldMasterId id="2147483792" r:id="rId1"/>
   </p:sldMasterIdLst>
   <p:notesMasterIdLst>
-    <p:notesMasterId r:id="rId12"/>
+    <p:notesMasterId r:id="rId17"/>
   </p:notesMasterIdLst>
   <p:sldIdLst>
     <p:sldId id="256" r:id="rId2"/>
     <p:sldId id="258" r:id="rId3"/>
-    <p:sldId id="257" r:id="rId4"/>
-    <p:sldId id="259" r:id="rId5"/>
-    <p:sldId id="260" r:id="rId6"/>
-    <p:sldId id="265" r:id="rId7"/>
-    <p:sldId id="266" r:id="rId8"/>
-    <p:sldId id="261" r:id="rId9"/>
-    <p:sldId id="262" r:id="rId10"/>
-    <p:sldId id="264" r:id="rId11"/>
+    <p:sldId id="266" r:id="rId4"/>
+    <p:sldId id="265" r:id="rId5"/>
+    <p:sldId id="257" r:id="rId6"/>
+    <p:sldId id="259" r:id="rId7"/>
+    <p:sldId id="271" r:id="rId8"/>
+    <p:sldId id="270" r:id="rId9"/>
+    <p:sldId id="268" r:id="rId10"/>
+    <p:sldId id="267" r:id="rId11"/>
+    <p:sldId id="269" r:id="rId12"/>
+    <p:sldId id="272" r:id="rId13"/>
+    <p:sldId id="261" r:id="rId14"/>
+    <p:sldId id="262" r:id="rId15"/>
+    <p:sldId id="264" r:id="rId16"/>
   </p:sldIdLst>
   <p:sldSz cx="9144000" cy="6858000" type="screen4x3"/>
   <p:notesSz cx="6858000" cy="9144000"/>
@@ -15077,138 +15082,6 @@
       </p:grpSpPr>
       <p:sp>
         <p:nvSpPr>
-          <p:cNvPr id="2" name="Title 1"/>
-          <p:cNvSpPr>
-            <a:spLocks noGrp="1"/>
-          </p:cNvSpPr>
-          <p:nvPr>
-            <p:ph type="ctrTitle"/>
-          </p:nvPr>
-        </p:nvSpPr>
-        <p:spPr/>
-        <p:txBody>
-          <a:bodyPr/>
-          <a:lstStyle/>
-          <a:p>
-            <a:r>
-              <a:rPr lang="en-US" dirty="0"/>
-              <a:t>Q &amp; A</a:t>
-            </a:r>
-          </a:p>
-        </p:txBody>
-      </p:sp>
-    </p:spTree>
-    <p:extLst>
-      <p:ext uri="{BB962C8B-B14F-4D97-AF65-F5344CB8AC3E}">
-        <p14:creationId xmlns:p14="http://schemas.microsoft.com/office/powerpoint/2010/main" val="2945019196"/>
-      </p:ext>
-    </p:extLst>
-  </p:cSld>
-  <p:clrMapOvr>
-    <a:masterClrMapping/>
-  </p:clrMapOvr>
-</p:sld>
-</file>
-
-<file path=ppt/slides/slide2.xml><?xml version="1.0" encoding="utf-8"?>
-<p:sld xmlns:a="http://schemas.openxmlformats.org/drawingml/2006/main" xmlns:r="http://schemas.openxmlformats.org/officeDocument/2006/relationships" xmlns:p="http://schemas.openxmlformats.org/presentationml/2006/main">
-  <p:cSld>
-    <p:spTree>
-      <p:nvGrpSpPr>
-        <p:cNvPr id="1" name=""/>
-        <p:cNvGrpSpPr/>
-        <p:nvPr/>
-      </p:nvGrpSpPr>
-      <p:grpSpPr>
-        <a:xfrm>
-          <a:off x="0" y="0"/>
-          <a:ext cx="0" cy="0"/>
-          <a:chOff x="0" y="0"/>
-          <a:chExt cx="0" cy="0"/>
-        </a:xfrm>
-      </p:grpSpPr>
-      <p:sp>
-        <p:nvSpPr>
-          <p:cNvPr id="2" name="Content Placeholder 1"/>
-          <p:cNvSpPr>
-            <a:spLocks noGrp="1"/>
-          </p:cNvSpPr>
-          <p:nvPr>
-            <p:ph idx="1"/>
-          </p:nvPr>
-        </p:nvSpPr>
-        <p:spPr/>
-        <p:txBody>
-          <a:bodyPr/>
-          <a:lstStyle/>
-          <a:p>
-            <a:r>
-              <a:rPr lang="ko-KR" altLang="en-US" dirty="0"/>
-              <a:t>저희 프로젝트의 주제는 정부에서 백신 관리 프로그램의 수주를 받았을 때를 가정하여 만들어진 프로그램 입니다</a:t>
-            </a:r>
-            <a:r>
-              <a:rPr lang="en-US" altLang="ko-KR" dirty="0"/>
-              <a:t>.</a:t>
-            </a:r>
-          </a:p>
-          <a:p>
-            <a:endParaRPr lang="en-US" altLang="ko-KR" dirty="0"/>
-          </a:p>
-          <a:p>
-            <a:r>
-              <a:rPr lang="ko-KR" altLang="en-US" dirty="0"/>
-              <a:t>저희</a:t>
-            </a:r>
-            <a:r>
-              <a:rPr lang="en-US" altLang="ko-KR" dirty="0"/>
-              <a:t> </a:t>
-            </a:r>
-            <a:r>
-              <a:rPr lang="ko-KR" altLang="en-US" dirty="0"/>
-              <a:t>프로그램을 </a:t>
-            </a:r>
-            <a:r>
-              <a:rPr lang="en-US" altLang="ko-KR" dirty="0" err="1"/>
-              <a:t>Github</a:t>
-            </a:r>
-            <a:r>
-              <a:rPr lang="ko-KR" altLang="en-US" dirty="0"/>
-              <a:t>을 </a:t>
-            </a:r>
-            <a:r>
-              <a:rPr lang="ko-KR" altLang="en-US" dirty="0" err="1"/>
-              <a:t>협업툴로써</a:t>
-            </a:r>
-            <a:r>
-              <a:rPr lang="ko-KR" altLang="en-US" dirty="0"/>
-              <a:t> 작업하였고</a:t>
-            </a:r>
-            <a:r>
-              <a:rPr lang="en-US" altLang="ko-KR" dirty="0"/>
-              <a:t>, Class Diagram</a:t>
-            </a:r>
-            <a:r>
-              <a:rPr lang="ko-KR" altLang="en-US" dirty="0"/>
-              <a:t>을 통해 설계하였습니다</a:t>
-            </a:r>
-            <a:r>
-              <a:rPr lang="en-US" altLang="ko-KR" dirty="0"/>
-              <a:t>.</a:t>
-            </a:r>
-          </a:p>
-          <a:p>
-            <a:endParaRPr lang="en-US" altLang="ko-KR" dirty="0"/>
-          </a:p>
-          <a:p>
-            <a:r>
-              <a:rPr lang="en-US" altLang="ko-KR" dirty="0"/>
-              <a:t>https://github.com/kanei0415/VaccineCMSJavaSwing</a:t>
-            </a:r>
-          </a:p>
-        </p:txBody>
-      </p:sp>
-      <p:sp>
-        <p:nvSpPr>
           <p:cNvPr id="3" name="Title 2"/>
           <p:cNvSpPr>
             <a:spLocks noGrp="1"/>
@@ -15224,47 +15097,17 @@
           <a:p>
             <a:r>
               <a:rPr lang="en-US" dirty="0"/>
-              <a:t>Overview of Project</a:t>
+              <a:t>Detailed Project Description (  /  )</a:t>
             </a:r>
           </a:p>
         </p:txBody>
       </p:sp>
-    </p:spTree>
-    <p:extLst>
-      <p:ext uri="{BB962C8B-B14F-4D97-AF65-F5344CB8AC3E}">
-        <p14:creationId xmlns:p14="http://schemas.microsoft.com/office/powerpoint/2010/main" val="654160103"/>
-      </p:ext>
-    </p:extLst>
-  </p:cSld>
-  <p:clrMapOvr>
-    <a:masterClrMapping/>
-  </p:clrMapOvr>
-</p:sld>
-</file>
-
-<file path=ppt/slides/slide3.xml><?xml version="1.0" encoding="utf-8"?>
-<p:sld xmlns:a="http://schemas.openxmlformats.org/drawingml/2006/main" xmlns:r="http://schemas.openxmlformats.org/officeDocument/2006/relationships" xmlns:p="http://schemas.openxmlformats.org/presentationml/2006/main">
-  <p:cSld>
-    <p:spTree>
-      <p:nvGrpSpPr>
-        <p:cNvPr id="1" name=""/>
-        <p:cNvGrpSpPr/>
-        <p:nvPr/>
-      </p:nvGrpSpPr>
-      <p:grpSpPr>
-        <a:xfrm>
-          <a:off x="0" y="0"/>
-          <a:ext cx="0" cy="0"/>
-          <a:chOff x="0" y="0"/>
-          <a:chExt cx="0" cy="0"/>
-        </a:xfrm>
-      </p:grpSpPr>
       <p:pic>
         <p:nvPicPr>
-          <p:cNvPr id="5" name="내용 개체 틀 4">
+          <p:cNvPr id="7" name="내용 개체 틀 6">
             <a:extLst>
               <a:ext uri="{FF2B5EF4-FFF2-40B4-BE49-F238E27FC236}">
-                <a16:creationId xmlns:a16="http://schemas.microsoft.com/office/drawing/2014/main" id="{18C67A30-86DF-4649-8399-28C18487069E}"/>
+                <a16:creationId xmlns:a16="http://schemas.microsoft.com/office/drawing/2014/main" id="{154C7374-101C-43C7-9B8B-416EC4E87705}"/>
               </a:ext>
             </a:extLst>
           </p:cNvPr>
@@ -15289,37 +15132,15 @@
         </p:blipFill>
         <p:spPr>
           <a:xfrm>
-            <a:off x="1303750" y="1828799"/>
-            <a:ext cx="7002050" cy="2683495"/>
+            <a:off x="2871231" y="2674938"/>
+            <a:ext cx="3409476" cy="3451225"/>
           </a:xfrm>
         </p:spPr>
       </p:pic>
-      <p:sp>
-        <p:nvSpPr>
-          <p:cNvPr id="3" name="Title 2"/>
-          <p:cNvSpPr>
-            <a:spLocks noGrp="1"/>
-          </p:cNvSpPr>
-          <p:nvPr>
-            <p:ph type="title"/>
-          </p:nvPr>
-        </p:nvSpPr>
-        <p:spPr/>
-        <p:txBody>
-          <a:bodyPr/>
-          <a:lstStyle/>
-          <a:p>
-            <a:r>
-              <a:rPr lang="en-US" dirty="0"/>
-              <a:t>Detailed Project Description (1 / 5)</a:t>
-            </a:r>
-          </a:p>
-        </p:txBody>
-      </p:sp>
     </p:spTree>
     <p:extLst>
       <p:ext uri="{BB962C8B-B14F-4D97-AF65-F5344CB8AC3E}">
-        <p14:creationId xmlns:p14="http://schemas.microsoft.com/office/powerpoint/2010/main" val="83444515"/>
+        <p14:creationId xmlns:p14="http://schemas.microsoft.com/office/powerpoint/2010/main" val="2508774992"/>
       </p:ext>
     </p:extLst>
   </p:cSld>
@@ -15329,7 +15150,7 @@
 </p:sld>
 </file>
 
-<file path=ppt/slides/slide4.xml><?xml version="1.0" encoding="utf-8"?>
+<file path=ppt/slides/slide11.xml><?xml version="1.0" encoding="utf-8"?>
 <p:sld xmlns:a="http://schemas.openxmlformats.org/drawingml/2006/main" xmlns:r="http://schemas.openxmlformats.org/officeDocument/2006/relationships" xmlns:p="http://schemas.openxmlformats.org/presentationml/2006/main">
   <p:cSld>
     <p:spTree>
@@ -15363,7 +15184,7 @@
           <a:p>
             <a:r>
               <a:rPr lang="en-US" dirty="0"/>
-              <a:t>Detailed Project Description (2 / 5)</a:t>
+              <a:t>Detailed Project Description (  /  )</a:t>
             </a:r>
           </a:p>
         </p:txBody>
@@ -15373,7 +15194,7 @@
           <p:cNvPr id="7" name="내용 개체 틀 6">
             <a:extLst>
               <a:ext uri="{FF2B5EF4-FFF2-40B4-BE49-F238E27FC236}">
-                <a16:creationId xmlns:a16="http://schemas.microsoft.com/office/drawing/2014/main" id="{6BC2FF0A-04C9-46EA-8504-2ED8CD1C0CF2}"/>
+                <a16:creationId xmlns:a16="http://schemas.microsoft.com/office/drawing/2014/main" id="{30498A72-4EB7-487B-BF7E-880A594DC440}"/>
               </a:ext>
             </a:extLst>
           </p:cNvPr>
@@ -15398,15 +15219,15 @@
         </p:blipFill>
         <p:spPr>
           <a:xfrm>
-            <a:off x="2133600" y="1705968"/>
-            <a:ext cx="4419600" cy="4813704"/>
+            <a:off x="2874808" y="2674938"/>
+            <a:ext cx="3402321" cy="3451225"/>
           </a:xfrm>
         </p:spPr>
       </p:pic>
     </p:spTree>
     <p:extLst>
       <p:ext uri="{BB962C8B-B14F-4D97-AF65-F5344CB8AC3E}">
-        <p14:creationId xmlns:p14="http://schemas.microsoft.com/office/powerpoint/2010/main" val="2237813324"/>
+        <p14:creationId xmlns:p14="http://schemas.microsoft.com/office/powerpoint/2010/main" val="350118537"/>
       </p:ext>
     </p:extLst>
   </p:cSld>
@@ -15416,7 +15237,7 @@
 </p:sld>
 </file>
 
-<file path=ppt/slides/slide5.xml><?xml version="1.0" encoding="utf-8"?>
+<file path=ppt/slides/slide12.xml><?xml version="1.0" encoding="utf-8"?>
 <p:sld xmlns:a="http://schemas.openxmlformats.org/drawingml/2006/main" xmlns:r="http://schemas.openxmlformats.org/officeDocument/2006/relationships" xmlns:p="http://schemas.openxmlformats.org/presentationml/2006/main">
   <p:cSld>
     <p:spTree>
@@ -15450,40 +15271,50 @@
           <a:p>
             <a:r>
               <a:rPr lang="en-US" dirty="0"/>
-              <a:t>Detailed Project Description (3 / 5)</a:t>
+              <a:t>Detailed Project Description (  /  )</a:t>
             </a:r>
           </a:p>
         </p:txBody>
       </p:sp>
-      <p:sp>
-        <p:nvSpPr>
-          <p:cNvPr id="5" name="내용 개체 틀 4">
+      <p:pic>
+        <p:nvPicPr>
+          <p:cNvPr id="6" name="내용 개체 틀 5">
             <a:extLst>
               <a:ext uri="{FF2B5EF4-FFF2-40B4-BE49-F238E27FC236}">
-                <a16:creationId xmlns:a16="http://schemas.microsoft.com/office/drawing/2014/main" id="{3D9AFF83-3C92-44B3-BBE3-7E23FF85B2DD}"/>
+                <a16:creationId xmlns:a16="http://schemas.microsoft.com/office/drawing/2014/main" id="{0C2B24CF-2696-404B-AF92-FCC8B4F38C38}"/>
               </a:ext>
             </a:extLst>
           </p:cNvPr>
-          <p:cNvSpPr>
-            <a:spLocks noGrp="1"/>
-          </p:cNvSpPr>
+          <p:cNvPicPr>
+            <a:picLocks noGrp="1" noChangeAspect="1"/>
+          </p:cNvPicPr>
           <p:nvPr>
             <p:ph idx="1"/>
           </p:nvPr>
-        </p:nvSpPr>
-        <p:spPr/>
-        <p:txBody>
-          <a:bodyPr/>
-          <a:lstStyle/>
-          <a:p>
-            <a:endParaRPr lang="ko-KR" altLang="en-US"/>
-          </a:p>
-        </p:txBody>
-      </p:sp>
+        </p:nvPicPr>
+        <p:blipFill>
+          <a:blip r:embed="rId2">
+            <a:extLst>
+              <a:ext uri="{28A0092B-C50C-407E-A947-70E740481C1C}">
+                <a14:useLocalDpi xmlns:a14="http://schemas.microsoft.com/office/drawing/2010/main" val="0"/>
+              </a:ext>
+            </a:extLst>
+          </a:blip>
+          <a:stretch>
+            <a:fillRect/>
+          </a:stretch>
+        </p:blipFill>
+        <p:spPr>
+          <a:xfrm>
+            <a:off x="2863960" y="1981200"/>
+            <a:ext cx="3416080" cy="3451225"/>
+          </a:xfrm>
+        </p:spPr>
+      </p:pic>
     </p:spTree>
     <p:extLst>
       <p:ext uri="{BB962C8B-B14F-4D97-AF65-F5344CB8AC3E}">
-        <p14:creationId xmlns:p14="http://schemas.microsoft.com/office/powerpoint/2010/main" val="2237813324"/>
+        <p14:creationId xmlns:p14="http://schemas.microsoft.com/office/powerpoint/2010/main" val="4180747630"/>
       </p:ext>
     </p:extLst>
   </p:cSld>
@@ -15493,165 +15324,7 @@
 </p:sld>
 </file>
 
-<file path=ppt/slides/slide6.xml><?xml version="1.0" encoding="utf-8"?>
-<p:sld xmlns:a="http://schemas.openxmlformats.org/drawingml/2006/main" xmlns:r="http://schemas.openxmlformats.org/officeDocument/2006/relationships" xmlns:p="http://schemas.openxmlformats.org/presentationml/2006/main">
-  <p:cSld>
-    <p:spTree>
-      <p:nvGrpSpPr>
-        <p:cNvPr id="1" name=""/>
-        <p:cNvGrpSpPr/>
-        <p:nvPr/>
-      </p:nvGrpSpPr>
-      <p:grpSpPr>
-        <a:xfrm>
-          <a:off x="0" y="0"/>
-          <a:ext cx="0" cy="0"/>
-          <a:chOff x="0" y="0"/>
-          <a:chExt cx="0" cy="0"/>
-        </a:xfrm>
-      </p:grpSpPr>
-      <p:sp>
-        <p:nvSpPr>
-          <p:cNvPr id="3" name="Title 2"/>
-          <p:cNvSpPr>
-            <a:spLocks noGrp="1"/>
-          </p:cNvSpPr>
-          <p:nvPr>
-            <p:ph type="title"/>
-          </p:nvPr>
-        </p:nvSpPr>
-        <p:spPr/>
-        <p:txBody>
-          <a:bodyPr>
-            <a:normAutofit fontScale="90000"/>
-          </a:bodyPr>
-          <a:lstStyle/>
-          <a:p>
-            <a:r>
-              <a:rPr lang="en-US" dirty="0"/>
-              <a:t>Detailed Project Description (4 / 5)</a:t>
-            </a:r>
-          </a:p>
-        </p:txBody>
-      </p:sp>
-      <p:sp>
-        <p:nvSpPr>
-          <p:cNvPr id="5" name="내용 개체 틀 4">
-            <a:extLst>
-              <a:ext uri="{FF2B5EF4-FFF2-40B4-BE49-F238E27FC236}">
-                <a16:creationId xmlns:a16="http://schemas.microsoft.com/office/drawing/2014/main" id="{A55BB381-A22B-482D-BD63-D33821134E0C}"/>
-              </a:ext>
-            </a:extLst>
-          </p:cNvPr>
-          <p:cNvSpPr>
-            <a:spLocks noGrp="1"/>
-          </p:cNvSpPr>
-          <p:nvPr>
-            <p:ph idx="1"/>
-          </p:nvPr>
-        </p:nvSpPr>
-        <p:spPr/>
-        <p:txBody>
-          <a:bodyPr/>
-          <a:lstStyle/>
-          <a:p>
-            <a:endParaRPr lang="ko-KR" altLang="en-US"/>
-          </a:p>
-        </p:txBody>
-      </p:sp>
-    </p:spTree>
-    <p:extLst>
-      <p:ext uri="{BB962C8B-B14F-4D97-AF65-F5344CB8AC3E}">
-        <p14:creationId xmlns:p14="http://schemas.microsoft.com/office/powerpoint/2010/main" val="2330912430"/>
-      </p:ext>
-    </p:extLst>
-  </p:cSld>
-  <p:clrMapOvr>
-    <a:masterClrMapping/>
-  </p:clrMapOvr>
-</p:sld>
-</file>
-
-<file path=ppt/slides/slide7.xml><?xml version="1.0" encoding="utf-8"?>
-<p:sld xmlns:a="http://schemas.openxmlformats.org/drawingml/2006/main" xmlns:r="http://schemas.openxmlformats.org/officeDocument/2006/relationships" xmlns:p="http://schemas.openxmlformats.org/presentationml/2006/main">
-  <p:cSld>
-    <p:spTree>
-      <p:nvGrpSpPr>
-        <p:cNvPr id="1" name=""/>
-        <p:cNvGrpSpPr/>
-        <p:nvPr/>
-      </p:nvGrpSpPr>
-      <p:grpSpPr>
-        <a:xfrm>
-          <a:off x="0" y="0"/>
-          <a:ext cx="0" cy="0"/>
-          <a:chOff x="0" y="0"/>
-          <a:chExt cx="0" cy="0"/>
-        </a:xfrm>
-      </p:grpSpPr>
-      <p:sp>
-        <p:nvSpPr>
-          <p:cNvPr id="3" name="Title 2"/>
-          <p:cNvSpPr>
-            <a:spLocks noGrp="1"/>
-          </p:cNvSpPr>
-          <p:nvPr>
-            <p:ph type="title"/>
-          </p:nvPr>
-        </p:nvSpPr>
-        <p:spPr/>
-        <p:txBody>
-          <a:bodyPr>
-            <a:normAutofit fontScale="90000"/>
-          </a:bodyPr>
-          <a:lstStyle/>
-          <a:p>
-            <a:r>
-              <a:rPr lang="en-US" dirty="0"/>
-              <a:t>Detailed Project Description (5 / 5)</a:t>
-            </a:r>
-          </a:p>
-        </p:txBody>
-      </p:sp>
-      <p:sp>
-        <p:nvSpPr>
-          <p:cNvPr id="5" name="내용 개체 틀 4">
-            <a:extLst>
-              <a:ext uri="{FF2B5EF4-FFF2-40B4-BE49-F238E27FC236}">
-                <a16:creationId xmlns:a16="http://schemas.microsoft.com/office/drawing/2014/main" id="{289D71FE-4F48-4FF3-9811-0F1BD7D83B69}"/>
-              </a:ext>
-            </a:extLst>
-          </p:cNvPr>
-          <p:cNvSpPr>
-            <a:spLocks noGrp="1"/>
-          </p:cNvSpPr>
-          <p:nvPr>
-            <p:ph idx="1"/>
-          </p:nvPr>
-        </p:nvSpPr>
-        <p:spPr/>
-        <p:txBody>
-          <a:bodyPr/>
-          <a:lstStyle/>
-          <a:p>
-            <a:endParaRPr lang="ko-KR" altLang="en-US"/>
-          </a:p>
-        </p:txBody>
-      </p:sp>
-    </p:spTree>
-    <p:extLst>
-      <p:ext uri="{BB962C8B-B14F-4D97-AF65-F5344CB8AC3E}">
-        <p14:creationId xmlns:p14="http://schemas.microsoft.com/office/powerpoint/2010/main" val="2330912430"/>
-      </p:ext>
-    </p:extLst>
-  </p:cSld>
-  <p:clrMapOvr>
-    <a:masterClrMapping/>
-  </p:clrMapOvr>
-</p:sld>
-</file>
-
-<file path=ppt/slides/slide8.xml><?xml version="1.0" encoding="utf-8"?>
+<file path=ppt/slides/slide13.xml><?xml version="1.0" encoding="utf-8"?>
 <p:sld xmlns:a="http://schemas.openxmlformats.org/drawingml/2006/main" xmlns:r="http://schemas.openxmlformats.org/officeDocument/2006/relationships" xmlns:p="http://schemas.openxmlformats.org/presentationml/2006/main">
   <p:cSld>
     <p:spTree>
@@ -15844,7 +15517,7 @@
 </p:sld>
 </file>
 
-<file path=ppt/slides/slide9.xml><?xml version="1.0" encoding="utf-8"?>
+<file path=ppt/slides/slide14.xml><?xml version="1.0" encoding="utf-8"?>
 <p:sld xmlns:a="http://schemas.openxmlformats.org/drawingml/2006/main" xmlns:r="http://schemas.openxmlformats.org/officeDocument/2006/relationships" xmlns:p="http://schemas.openxmlformats.org/presentationml/2006/main">
   <p:cSld>
     <p:spTree>
@@ -15878,11 +15551,7 @@
           <a:p>
             <a:r>
               <a:rPr lang="ko-KR" altLang="en-US" dirty="0"/>
-              <a:t>직접 </a:t>
-            </a:r>
-            <a:r>
-              <a:rPr lang="ko-KR" altLang="en-US" dirty="0" err="1"/>
-              <a:t>보여드림</a:t>
+              <a:t>직접 시연 하겠습니다</a:t>
             </a:r>
             <a:endParaRPr lang="en-US" dirty="0"/>
           </a:p>
@@ -15914,6 +15583,799 @@
     <p:extLst>
       <p:ext uri="{BB962C8B-B14F-4D97-AF65-F5344CB8AC3E}">
         <p14:creationId xmlns:p14="http://schemas.microsoft.com/office/powerpoint/2010/main" val="4007931112"/>
+      </p:ext>
+    </p:extLst>
+  </p:cSld>
+  <p:clrMapOvr>
+    <a:masterClrMapping/>
+  </p:clrMapOvr>
+</p:sld>
+</file>
+
+<file path=ppt/slides/slide15.xml><?xml version="1.0" encoding="utf-8"?>
+<p:sld xmlns:a="http://schemas.openxmlformats.org/drawingml/2006/main" xmlns:r="http://schemas.openxmlformats.org/officeDocument/2006/relationships" xmlns:p="http://schemas.openxmlformats.org/presentationml/2006/main">
+  <p:cSld>
+    <p:spTree>
+      <p:nvGrpSpPr>
+        <p:cNvPr id="1" name=""/>
+        <p:cNvGrpSpPr/>
+        <p:nvPr/>
+      </p:nvGrpSpPr>
+      <p:grpSpPr>
+        <a:xfrm>
+          <a:off x="0" y="0"/>
+          <a:ext cx="0" cy="0"/>
+          <a:chOff x="0" y="0"/>
+          <a:chExt cx="0" cy="0"/>
+        </a:xfrm>
+      </p:grpSpPr>
+      <p:sp>
+        <p:nvSpPr>
+          <p:cNvPr id="2" name="Title 1"/>
+          <p:cNvSpPr>
+            <a:spLocks noGrp="1"/>
+          </p:cNvSpPr>
+          <p:nvPr>
+            <p:ph type="ctrTitle"/>
+          </p:nvPr>
+        </p:nvSpPr>
+        <p:spPr/>
+        <p:txBody>
+          <a:bodyPr/>
+          <a:lstStyle/>
+          <a:p>
+            <a:r>
+              <a:rPr lang="en-US" dirty="0"/>
+              <a:t>Q &amp; A</a:t>
+            </a:r>
+          </a:p>
+        </p:txBody>
+      </p:sp>
+    </p:spTree>
+    <p:extLst>
+      <p:ext uri="{BB962C8B-B14F-4D97-AF65-F5344CB8AC3E}">
+        <p14:creationId xmlns:p14="http://schemas.microsoft.com/office/powerpoint/2010/main" val="2945019196"/>
+      </p:ext>
+    </p:extLst>
+  </p:cSld>
+  <p:clrMapOvr>
+    <a:masterClrMapping/>
+  </p:clrMapOvr>
+</p:sld>
+</file>
+
+<file path=ppt/slides/slide2.xml><?xml version="1.0" encoding="utf-8"?>
+<p:sld xmlns:a="http://schemas.openxmlformats.org/drawingml/2006/main" xmlns:r="http://schemas.openxmlformats.org/officeDocument/2006/relationships" xmlns:p="http://schemas.openxmlformats.org/presentationml/2006/main">
+  <p:cSld>
+    <p:spTree>
+      <p:nvGrpSpPr>
+        <p:cNvPr id="1" name=""/>
+        <p:cNvGrpSpPr/>
+        <p:nvPr/>
+      </p:nvGrpSpPr>
+      <p:grpSpPr>
+        <a:xfrm>
+          <a:off x="0" y="0"/>
+          <a:ext cx="0" cy="0"/>
+          <a:chOff x="0" y="0"/>
+          <a:chExt cx="0" cy="0"/>
+        </a:xfrm>
+      </p:grpSpPr>
+      <p:sp>
+        <p:nvSpPr>
+          <p:cNvPr id="2" name="Content Placeholder 1"/>
+          <p:cNvSpPr>
+            <a:spLocks noGrp="1"/>
+          </p:cNvSpPr>
+          <p:nvPr>
+            <p:ph idx="1"/>
+          </p:nvPr>
+        </p:nvSpPr>
+        <p:spPr/>
+        <p:txBody>
+          <a:bodyPr/>
+          <a:lstStyle/>
+          <a:p>
+            <a:r>
+              <a:rPr lang="ko-KR" altLang="en-US" dirty="0"/>
+              <a:t>저희 프로젝트의 주제는 정부에서 백신 관리 프로그램의 수주를 받았을 때를 가정하여 만들어진 프로그램 입니다</a:t>
+            </a:r>
+            <a:r>
+              <a:rPr lang="en-US" altLang="ko-KR" dirty="0"/>
+              <a:t>.</a:t>
+            </a:r>
+          </a:p>
+          <a:p>
+            <a:endParaRPr lang="en-US" altLang="ko-KR" dirty="0"/>
+          </a:p>
+          <a:p>
+            <a:r>
+              <a:rPr lang="ko-KR" altLang="en-US" dirty="0"/>
+              <a:t>저희</a:t>
+            </a:r>
+            <a:r>
+              <a:rPr lang="en-US" altLang="ko-KR" dirty="0"/>
+              <a:t> </a:t>
+            </a:r>
+            <a:r>
+              <a:rPr lang="ko-KR" altLang="en-US" dirty="0"/>
+              <a:t>프로그램을 </a:t>
+            </a:r>
+            <a:r>
+              <a:rPr lang="en-US" altLang="ko-KR" dirty="0" err="1"/>
+              <a:t>Github</a:t>
+            </a:r>
+            <a:r>
+              <a:rPr lang="ko-KR" altLang="en-US" dirty="0"/>
+              <a:t>을 </a:t>
+            </a:r>
+            <a:r>
+              <a:rPr lang="ko-KR" altLang="en-US" dirty="0" err="1"/>
+              <a:t>협업툴로써</a:t>
+            </a:r>
+            <a:r>
+              <a:rPr lang="ko-KR" altLang="en-US" dirty="0"/>
+              <a:t> 작업하였고</a:t>
+            </a:r>
+            <a:r>
+              <a:rPr lang="en-US" altLang="ko-KR" dirty="0"/>
+              <a:t>, Class Diagram</a:t>
+            </a:r>
+            <a:r>
+              <a:rPr lang="ko-KR" altLang="en-US" dirty="0"/>
+              <a:t>을 통해 설계하였습니다</a:t>
+            </a:r>
+            <a:r>
+              <a:rPr lang="en-US" altLang="ko-KR" dirty="0"/>
+              <a:t>.</a:t>
+            </a:r>
+          </a:p>
+          <a:p>
+            <a:endParaRPr lang="en-US" altLang="ko-KR" dirty="0"/>
+          </a:p>
+          <a:p>
+            <a:r>
+              <a:rPr lang="en-US" altLang="ko-KR" dirty="0"/>
+              <a:t>https://github.com/kanei0415/VaccineCMSJavaSwing</a:t>
+            </a:r>
+          </a:p>
+        </p:txBody>
+      </p:sp>
+      <p:sp>
+        <p:nvSpPr>
+          <p:cNvPr id="3" name="Title 2"/>
+          <p:cNvSpPr>
+            <a:spLocks noGrp="1"/>
+          </p:cNvSpPr>
+          <p:nvPr>
+            <p:ph type="title"/>
+          </p:nvPr>
+        </p:nvSpPr>
+        <p:spPr/>
+        <p:txBody>
+          <a:bodyPr/>
+          <a:lstStyle/>
+          <a:p>
+            <a:r>
+              <a:rPr lang="en-US" dirty="0"/>
+              <a:t>Overview of Project</a:t>
+            </a:r>
+          </a:p>
+        </p:txBody>
+      </p:sp>
+    </p:spTree>
+    <p:extLst>
+      <p:ext uri="{BB962C8B-B14F-4D97-AF65-F5344CB8AC3E}">
+        <p14:creationId xmlns:p14="http://schemas.microsoft.com/office/powerpoint/2010/main" val="654160103"/>
+      </p:ext>
+    </p:extLst>
+  </p:cSld>
+  <p:clrMapOvr>
+    <a:masterClrMapping/>
+  </p:clrMapOvr>
+</p:sld>
+</file>
+
+<file path=ppt/slides/slide3.xml><?xml version="1.0" encoding="utf-8"?>
+<p:sld xmlns:a="http://schemas.openxmlformats.org/drawingml/2006/main" xmlns:r="http://schemas.openxmlformats.org/officeDocument/2006/relationships" xmlns:p="http://schemas.openxmlformats.org/presentationml/2006/main">
+  <p:cSld>
+    <p:spTree>
+      <p:nvGrpSpPr>
+        <p:cNvPr id="1" name=""/>
+        <p:cNvGrpSpPr/>
+        <p:nvPr/>
+      </p:nvGrpSpPr>
+      <p:grpSpPr>
+        <a:xfrm>
+          <a:off x="0" y="0"/>
+          <a:ext cx="0" cy="0"/>
+          <a:chOff x="0" y="0"/>
+          <a:chExt cx="0" cy="0"/>
+        </a:xfrm>
+      </p:grpSpPr>
+      <p:sp>
+        <p:nvSpPr>
+          <p:cNvPr id="3" name="Title 2"/>
+          <p:cNvSpPr>
+            <a:spLocks noGrp="1"/>
+          </p:cNvSpPr>
+          <p:nvPr>
+            <p:ph type="title"/>
+          </p:nvPr>
+        </p:nvSpPr>
+        <p:spPr/>
+        <p:txBody>
+          <a:bodyPr/>
+          <a:lstStyle/>
+          <a:p>
+            <a:r>
+              <a:rPr lang="en-US" dirty="0"/>
+              <a:t>Detailed Project Description (  /  )</a:t>
+            </a:r>
+          </a:p>
+        </p:txBody>
+      </p:sp>
+      <p:pic>
+        <p:nvPicPr>
+          <p:cNvPr id="6" name="내용 개체 틀 5">
+            <a:extLst>
+              <a:ext uri="{FF2B5EF4-FFF2-40B4-BE49-F238E27FC236}">
+                <a16:creationId xmlns:a16="http://schemas.microsoft.com/office/drawing/2014/main" id="{3E60C19E-8340-4754-9725-AC21825903ED}"/>
+              </a:ext>
+            </a:extLst>
+          </p:cNvPr>
+          <p:cNvPicPr>
+            <a:picLocks noGrp="1" noChangeAspect="1"/>
+          </p:cNvPicPr>
+          <p:nvPr>
+            <p:ph idx="1"/>
+          </p:nvPr>
+        </p:nvPicPr>
+        <p:blipFill>
+          <a:blip r:embed="rId2">
+            <a:extLst>
+              <a:ext uri="{28A0092B-C50C-407E-A947-70E740481C1C}">
+                <a14:useLocalDpi xmlns:a14="http://schemas.microsoft.com/office/drawing/2010/main" val="0"/>
+              </a:ext>
+            </a:extLst>
+          </a:blip>
+          <a:stretch>
+            <a:fillRect/>
+          </a:stretch>
+        </p:blipFill>
+        <p:spPr>
+          <a:xfrm>
+            <a:off x="2867474" y="1828800"/>
+            <a:ext cx="3409051" cy="3451225"/>
+          </a:xfrm>
+        </p:spPr>
+      </p:pic>
+    </p:spTree>
+    <p:extLst>
+      <p:ext uri="{BB962C8B-B14F-4D97-AF65-F5344CB8AC3E}">
+        <p14:creationId xmlns:p14="http://schemas.microsoft.com/office/powerpoint/2010/main" val="2832070895"/>
+      </p:ext>
+    </p:extLst>
+  </p:cSld>
+  <p:clrMapOvr>
+    <a:masterClrMapping/>
+  </p:clrMapOvr>
+</p:sld>
+</file>
+
+<file path=ppt/slides/slide4.xml><?xml version="1.0" encoding="utf-8"?>
+<p:sld xmlns:a="http://schemas.openxmlformats.org/drawingml/2006/main" xmlns:r="http://schemas.openxmlformats.org/officeDocument/2006/relationships" xmlns:p="http://schemas.openxmlformats.org/presentationml/2006/main">
+  <p:cSld>
+    <p:spTree>
+      <p:nvGrpSpPr>
+        <p:cNvPr id="1" name=""/>
+        <p:cNvGrpSpPr/>
+        <p:nvPr/>
+      </p:nvGrpSpPr>
+      <p:grpSpPr>
+        <a:xfrm>
+          <a:off x="0" y="0"/>
+          <a:ext cx="0" cy="0"/>
+          <a:chOff x="0" y="0"/>
+          <a:chExt cx="0" cy="0"/>
+        </a:xfrm>
+      </p:grpSpPr>
+      <p:sp>
+        <p:nvSpPr>
+          <p:cNvPr id="3" name="Title 2"/>
+          <p:cNvSpPr>
+            <a:spLocks noGrp="1"/>
+          </p:cNvSpPr>
+          <p:nvPr>
+            <p:ph type="title"/>
+          </p:nvPr>
+        </p:nvSpPr>
+        <p:spPr/>
+        <p:txBody>
+          <a:bodyPr/>
+          <a:lstStyle/>
+          <a:p>
+            <a:r>
+              <a:rPr lang="en-US" dirty="0"/>
+              <a:t>Detailed Project Description (  /  )</a:t>
+            </a:r>
+          </a:p>
+        </p:txBody>
+      </p:sp>
+      <p:pic>
+        <p:nvPicPr>
+          <p:cNvPr id="6" name="내용 개체 틀 5">
+            <a:extLst>
+              <a:ext uri="{FF2B5EF4-FFF2-40B4-BE49-F238E27FC236}">
+                <a16:creationId xmlns:a16="http://schemas.microsoft.com/office/drawing/2014/main" id="{9FE4C37A-6517-4951-B263-AD5BB4DCE526}"/>
+              </a:ext>
+            </a:extLst>
+          </p:cNvPr>
+          <p:cNvPicPr>
+            <a:picLocks noGrp="1" noChangeAspect="1"/>
+          </p:cNvPicPr>
+          <p:nvPr>
+            <p:ph idx="1"/>
+          </p:nvPr>
+        </p:nvPicPr>
+        <p:blipFill>
+          <a:blip r:embed="rId2">
+            <a:extLst>
+              <a:ext uri="{28A0092B-C50C-407E-A947-70E740481C1C}">
+                <a14:useLocalDpi xmlns:a14="http://schemas.microsoft.com/office/drawing/2010/main" val="0"/>
+              </a:ext>
+            </a:extLst>
+          </a:blip>
+          <a:stretch>
+            <a:fillRect/>
+          </a:stretch>
+        </p:blipFill>
+        <p:spPr>
+          <a:xfrm>
+            <a:off x="2835779" y="2209800"/>
+            <a:ext cx="3472441" cy="3451225"/>
+          </a:xfrm>
+        </p:spPr>
+      </p:pic>
+    </p:spTree>
+    <p:extLst>
+      <p:ext uri="{BB962C8B-B14F-4D97-AF65-F5344CB8AC3E}">
+        <p14:creationId xmlns:p14="http://schemas.microsoft.com/office/powerpoint/2010/main" val="1696480465"/>
+      </p:ext>
+    </p:extLst>
+  </p:cSld>
+  <p:clrMapOvr>
+    <a:masterClrMapping/>
+  </p:clrMapOvr>
+</p:sld>
+</file>
+
+<file path=ppt/slides/slide5.xml><?xml version="1.0" encoding="utf-8"?>
+<p:sld xmlns:a="http://schemas.openxmlformats.org/drawingml/2006/main" xmlns:r="http://schemas.openxmlformats.org/officeDocument/2006/relationships" xmlns:p="http://schemas.openxmlformats.org/presentationml/2006/main">
+  <p:cSld>
+    <p:spTree>
+      <p:nvGrpSpPr>
+        <p:cNvPr id="1" name=""/>
+        <p:cNvGrpSpPr/>
+        <p:nvPr/>
+      </p:nvGrpSpPr>
+      <p:grpSpPr>
+        <a:xfrm>
+          <a:off x="0" y="0"/>
+          <a:ext cx="0" cy="0"/>
+          <a:chOff x="0" y="0"/>
+          <a:chExt cx="0" cy="0"/>
+        </a:xfrm>
+      </p:grpSpPr>
+      <p:pic>
+        <p:nvPicPr>
+          <p:cNvPr id="5" name="내용 개체 틀 4">
+            <a:extLst>
+              <a:ext uri="{FF2B5EF4-FFF2-40B4-BE49-F238E27FC236}">
+                <a16:creationId xmlns:a16="http://schemas.microsoft.com/office/drawing/2014/main" id="{18C67A30-86DF-4649-8399-28C18487069E}"/>
+              </a:ext>
+            </a:extLst>
+          </p:cNvPr>
+          <p:cNvPicPr>
+            <a:picLocks noGrp="1" noChangeAspect="1"/>
+          </p:cNvPicPr>
+          <p:nvPr>
+            <p:ph idx="1"/>
+          </p:nvPr>
+        </p:nvPicPr>
+        <p:blipFill>
+          <a:blip r:embed="rId2">
+            <a:extLst>
+              <a:ext uri="{28A0092B-C50C-407E-A947-70E740481C1C}">
+                <a14:useLocalDpi xmlns:a14="http://schemas.microsoft.com/office/drawing/2010/main" val="0"/>
+              </a:ext>
+            </a:extLst>
+          </a:blip>
+          <a:stretch>
+            <a:fillRect/>
+          </a:stretch>
+        </p:blipFill>
+        <p:spPr>
+          <a:xfrm>
+            <a:off x="1303750" y="1828799"/>
+            <a:ext cx="7002050" cy="2683495"/>
+          </a:xfrm>
+        </p:spPr>
+      </p:pic>
+      <p:sp>
+        <p:nvSpPr>
+          <p:cNvPr id="3" name="Title 2"/>
+          <p:cNvSpPr>
+            <a:spLocks noGrp="1"/>
+          </p:cNvSpPr>
+          <p:nvPr>
+            <p:ph type="title"/>
+          </p:nvPr>
+        </p:nvSpPr>
+        <p:spPr/>
+        <p:txBody>
+          <a:bodyPr/>
+          <a:lstStyle/>
+          <a:p>
+            <a:r>
+              <a:rPr lang="en-US" dirty="0"/>
+              <a:t>Detailed Project Description (  /  )</a:t>
+            </a:r>
+          </a:p>
+        </p:txBody>
+      </p:sp>
+    </p:spTree>
+    <p:extLst>
+      <p:ext uri="{BB962C8B-B14F-4D97-AF65-F5344CB8AC3E}">
+        <p14:creationId xmlns:p14="http://schemas.microsoft.com/office/powerpoint/2010/main" val="83444515"/>
+      </p:ext>
+    </p:extLst>
+  </p:cSld>
+  <p:clrMapOvr>
+    <a:masterClrMapping/>
+  </p:clrMapOvr>
+</p:sld>
+</file>
+
+<file path=ppt/slides/slide6.xml><?xml version="1.0" encoding="utf-8"?>
+<p:sld xmlns:a="http://schemas.openxmlformats.org/drawingml/2006/main" xmlns:r="http://schemas.openxmlformats.org/officeDocument/2006/relationships" xmlns:p="http://schemas.openxmlformats.org/presentationml/2006/main">
+  <p:cSld>
+    <p:spTree>
+      <p:nvGrpSpPr>
+        <p:cNvPr id="1" name=""/>
+        <p:cNvGrpSpPr/>
+        <p:nvPr/>
+      </p:nvGrpSpPr>
+      <p:grpSpPr>
+        <a:xfrm>
+          <a:off x="0" y="0"/>
+          <a:ext cx="0" cy="0"/>
+          <a:chOff x="0" y="0"/>
+          <a:chExt cx="0" cy="0"/>
+        </a:xfrm>
+      </p:grpSpPr>
+      <p:sp>
+        <p:nvSpPr>
+          <p:cNvPr id="3" name="Title 2"/>
+          <p:cNvSpPr>
+            <a:spLocks noGrp="1"/>
+          </p:cNvSpPr>
+          <p:nvPr>
+            <p:ph type="title"/>
+          </p:nvPr>
+        </p:nvSpPr>
+        <p:spPr/>
+        <p:txBody>
+          <a:bodyPr/>
+          <a:lstStyle/>
+          <a:p>
+            <a:r>
+              <a:rPr lang="en-US" dirty="0"/>
+              <a:t>Detailed Project Description (  /  )</a:t>
+            </a:r>
+          </a:p>
+        </p:txBody>
+      </p:sp>
+      <p:pic>
+        <p:nvPicPr>
+          <p:cNvPr id="7" name="내용 개체 틀 6">
+            <a:extLst>
+              <a:ext uri="{FF2B5EF4-FFF2-40B4-BE49-F238E27FC236}">
+                <a16:creationId xmlns:a16="http://schemas.microsoft.com/office/drawing/2014/main" id="{6BC2FF0A-04C9-46EA-8504-2ED8CD1C0CF2}"/>
+              </a:ext>
+            </a:extLst>
+          </p:cNvPr>
+          <p:cNvPicPr>
+            <a:picLocks noGrp="1" noChangeAspect="1"/>
+          </p:cNvPicPr>
+          <p:nvPr>
+            <p:ph idx="1"/>
+          </p:nvPr>
+        </p:nvPicPr>
+        <p:blipFill>
+          <a:blip r:embed="rId2">
+            <a:extLst>
+              <a:ext uri="{28A0092B-C50C-407E-A947-70E740481C1C}">
+                <a14:useLocalDpi xmlns:a14="http://schemas.microsoft.com/office/drawing/2010/main" val="0"/>
+              </a:ext>
+            </a:extLst>
+          </a:blip>
+          <a:stretch>
+            <a:fillRect/>
+          </a:stretch>
+        </p:blipFill>
+        <p:spPr>
+          <a:xfrm>
+            <a:off x="2133600" y="1705968"/>
+            <a:ext cx="4419600" cy="4813704"/>
+          </a:xfrm>
+        </p:spPr>
+      </p:pic>
+    </p:spTree>
+    <p:extLst>
+      <p:ext uri="{BB962C8B-B14F-4D97-AF65-F5344CB8AC3E}">
+        <p14:creationId xmlns:p14="http://schemas.microsoft.com/office/powerpoint/2010/main" val="2237813324"/>
+      </p:ext>
+    </p:extLst>
+  </p:cSld>
+  <p:clrMapOvr>
+    <a:masterClrMapping/>
+  </p:clrMapOvr>
+</p:sld>
+</file>
+
+<file path=ppt/slides/slide7.xml><?xml version="1.0" encoding="utf-8"?>
+<p:sld xmlns:a="http://schemas.openxmlformats.org/drawingml/2006/main" xmlns:r="http://schemas.openxmlformats.org/officeDocument/2006/relationships" xmlns:p="http://schemas.openxmlformats.org/presentationml/2006/main">
+  <p:cSld>
+    <p:spTree>
+      <p:nvGrpSpPr>
+        <p:cNvPr id="1" name=""/>
+        <p:cNvGrpSpPr/>
+        <p:nvPr/>
+      </p:nvGrpSpPr>
+      <p:grpSpPr>
+        <a:xfrm>
+          <a:off x="0" y="0"/>
+          <a:ext cx="0" cy="0"/>
+          <a:chOff x="0" y="0"/>
+          <a:chExt cx="0" cy="0"/>
+        </a:xfrm>
+      </p:grpSpPr>
+      <p:sp>
+        <p:nvSpPr>
+          <p:cNvPr id="3" name="Title 2"/>
+          <p:cNvSpPr>
+            <a:spLocks noGrp="1"/>
+          </p:cNvSpPr>
+          <p:nvPr>
+            <p:ph type="title"/>
+          </p:nvPr>
+        </p:nvSpPr>
+        <p:spPr/>
+        <p:txBody>
+          <a:bodyPr/>
+          <a:lstStyle/>
+          <a:p>
+            <a:r>
+              <a:rPr lang="en-US" dirty="0"/>
+              <a:t>Detailed Project Description (  /  )</a:t>
+            </a:r>
+          </a:p>
+        </p:txBody>
+      </p:sp>
+      <p:pic>
+        <p:nvPicPr>
+          <p:cNvPr id="6" name="내용 개체 틀 5">
+            <a:extLst>
+              <a:ext uri="{FF2B5EF4-FFF2-40B4-BE49-F238E27FC236}">
+                <a16:creationId xmlns:a16="http://schemas.microsoft.com/office/drawing/2014/main" id="{5D66ED7C-AF2A-4A6B-8E87-4FA2B128D9DC}"/>
+              </a:ext>
+            </a:extLst>
+          </p:cNvPr>
+          <p:cNvPicPr>
+            <a:picLocks noGrp="1" noChangeAspect="1"/>
+          </p:cNvPicPr>
+          <p:nvPr>
+            <p:ph idx="1"/>
+          </p:nvPr>
+        </p:nvPicPr>
+        <p:blipFill>
+          <a:blip r:embed="rId2">
+            <a:extLst>
+              <a:ext uri="{28A0092B-C50C-407E-A947-70E740481C1C}">
+                <a14:useLocalDpi xmlns:a14="http://schemas.microsoft.com/office/drawing/2010/main" val="0"/>
+              </a:ext>
+            </a:extLst>
+          </a:blip>
+          <a:stretch>
+            <a:fillRect/>
+          </a:stretch>
+        </p:blipFill>
+        <p:spPr>
+          <a:xfrm>
+            <a:off x="2146326" y="2674938"/>
+            <a:ext cx="4859285" cy="3451225"/>
+          </a:xfrm>
+        </p:spPr>
+      </p:pic>
+    </p:spTree>
+    <p:extLst>
+      <p:ext uri="{BB962C8B-B14F-4D97-AF65-F5344CB8AC3E}">
+        <p14:creationId xmlns:p14="http://schemas.microsoft.com/office/powerpoint/2010/main" val="2747576367"/>
+      </p:ext>
+    </p:extLst>
+  </p:cSld>
+  <p:clrMapOvr>
+    <a:masterClrMapping/>
+  </p:clrMapOvr>
+</p:sld>
+</file>
+
+<file path=ppt/slides/slide8.xml><?xml version="1.0" encoding="utf-8"?>
+<p:sld xmlns:a="http://schemas.openxmlformats.org/drawingml/2006/main" xmlns:r="http://schemas.openxmlformats.org/officeDocument/2006/relationships" xmlns:p="http://schemas.openxmlformats.org/presentationml/2006/main">
+  <p:cSld>
+    <p:spTree>
+      <p:nvGrpSpPr>
+        <p:cNvPr id="1" name=""/>
+        <p:cNvGrpSpPr/>
+        <p:nvPr/>
+      </p:nvGrpSpPr>
+      <p:grpSpPr>
+        <a:xfrm>
+          <a:off x="0" y="0"/>
+          <a:ext cx="0" cy="0"/>
+          <a:chOff x="0" y="0"/>
+          <a:chExt cx="0" cy="0"/>
+        </a:xfrm>
+      </p:grpSpPr>
+      <p:sp>
+        <p:nvSpPr>
+          <p:cNvPr id="3" name="Title 2"/>
+          <p:cNvSpPr>
+            <a:spLocks noGrp="1"/>
+          </p:cNvSpPr>
+          <p:nvPr>
+            <p:ph type="title"/>
+          </p:nvPr>
+        </p:nvSpPr>
+        <p:spPr/>
+        <p:txBody>
+          <a:bodyPr/>
+          <a:lstStyle/>
+          <a:p>
+            <a:r>
+              <a:rPr lang="en-US" dirty="0"/>
+              <a:t>Detailed Project Description (  /  )</a:t>
+            </a:r>
+          </a:p>
+        </p:txBody>
+      </p:sp>
+      <p:pic>
+        <p:nvPicPr>
+          <p:cNvPr id="7" name="내용 개체 틀 6">
+            <a:extLst>
+              <a:ext uri="{FF2B5EF4-FFF2-40B4-BE49-F238E27FC236}">
+                <a16:creationId xmlns:a16="http://schemas.microsoft.com/office/drawing/2014/main" id="{5EEA304A-9F66-4197-8E13-A931D549478E}"/>
+              </a:ext>
+            </a:extLst>
+          </p:cNvPr>
+          <p:cNvPicPr>
+            <a:picLocks noGrp="1" noChangeAspect="1"/>
+          </p:cNvPicPr>
+          <p:nvPr>
+            <p:ph idx="1"/>
+          </p:nvPr>
+        </p:nvPicPr>
+        <p:blipFill>
+          <a:blip r:embed="rId2">
+            <a:extLst>
+              <a:ext uri="{28A0092B-C50C-407E-A947-70E740481C1C}">
+                <a14:useLocalDpi xmlns:a14="http://schemas.microsoft.com/office/drawing/2010/main" val="0"/>
+              </a:ext>
+            </a:extLst>
+          </a:blip>
+          <a:stretch>
+            <a:fillRect/>
+          </a:stretch>
+        </p:blipFill>
+        <p:spPr>
+          <a:xfrm>
+            <a:off x="2864414" y="2674938"/>
+            <a:ext cx="3423109" cy="3451225"/>
+          </a:xfrm>
+        </p:spPr>
+      </p:pic>
+    </p:spTree>
+    <p:extLst>
+      <p:ext uri="{BB962C8B-B14F-4D97-AF65-F5344CB8AC3E}">
+        <p14:creationId xmlns:p14="http://schemas.microsoft.com/office/powerpoint/2010/main" val="28902290"/>
+      </p:ext>
+    </p:extLst>
+  </p:cSld>
+  <p:clrMapOvr>
+    <a:masterClrMapping/>
+  </p:clrMapOvr>
+</p:sld>
+</file>
+
+<file path=ppt/slides/slide9.xml><?xml version="1.0" encoding="utf-8"?>
+<p:sld xmlns:a="http://schemas.openxmlformats.org/drawingml/2006/main" xmlns:r="http://schemas.openxmlformats.org/officeDocument/2006/relationships" xmlns:p="http://schemas.openxmlformats.org/presentationml/2006/main">
+  <p:cSld>
+    <p:spTree>
+      <p:nvGrpSpPr>
+        <p:cNvPr id="1" name=""/>
+        <p:cNvGrpSpPr/>
+        <p:nvPr/>
+      </p:nvGrpSpPr>
+      <p:grpSpPr>
+        <a:xfrm>
+          <a:off x="0" y="0"/>
+          <a:ext cx="0" cy="0"/>
+          <a:chOff x="0" y="0"/>
+          <a:chExt cx="0" cy="0"/>
+        </a:xfrm>
+      </p:grpSpPr>
+      <p:sp>
+        <p:nvSpPr>
+          <p:cNvPr id="3" name="Title 2"/>
+          <p:cNvSpPr>
+            <a:spLocks noGrp="1"/>
+          </p:cNvSpPr>
+          <p:nvPr>
+            <p:ph type="title"/>
+          </p:nvPr>
+        </p:nvSpPr>
+        <p:spPr/>
+        <p:txBody>
+          <a:bodyPr/>
+          <a:lstStyle/>
+          <a:p>
+            <a:r>
+              <a:rPr lang="en-US" dirty="0"/>
+              <a:t>Detailed Project Description (  /  )</a:t>
+            </a:r>
+          </a:p>
+        </p:txBody>
+      </p:sp>
+      <p:pic>
+        <p:nvPicPr>
+          <p:cNvPr id="7" name="내용 개체 틀 6">
+            <a:extLst>
+              <a:ext uri="{FF2B5EF4-FFF2-40B4-BE49-F238E27FC236}">
+                <a16:creationId xmlns:a16="http://schemas.microsoft.com/office/drawing/2014/main" id="{3F9B83D6-0B28-4768-9369-1E19BBEA43D1}"/>
+              </a:ext>
+            </a:extLst>
+          </p:cNvPr>
+          <p:cNvPicPr>
+            <a:picLocks noGrp="1" noChangeAspect="1"/>
+          </p:cNvPicPr>
+          <p:nvPr>
+            <p:ph idx="1"/>
+          </p:nvPr>
+        </p:nvPicPr>
+        <p:blipFill>
+          <a:blip r:embed="rId2">
+            <a:extLst>
+              <a:ext uri="{28A0092B-C50C-407E-A947-70E740481C1C}">
+                <a14:useLocalDpi xmlns:a14="http://schemas.microsoft.com/office/drawing/2010/main" val="0"/>
+              </a:ext>
+            </a:extLst>
+          </a:blip>
+          <a:stretch>
+            <a:fillRect/>
+          </a:stretch>
+        </p:blipFill>
+        <p:spPr>
+          <a:xfrm>
+            <a:off x="2871315" y="2674938"/>
+            <a:ext cx="3409307" cy="3451225"/>
+          </a:xfrm>
+        </p:spPr>
+      </p:pic>
+    </p:spTree>
+    <p:extLst>
+      <p:ext uri="{BB962C8B-B14F-4D97-AF65-F5344CB8AC3E}">
+        <p14:creationId xmlns:p14="http://schemas.microsoft.com/office/powerpoint/2010/main" val="638840280"/>
       </p:ext>
     </p:extLst>
   </p:cSld>

--- a/team1Presentation.pptx
+++ b/team1Presentation.pptx
@@ -5,7 +5,7 @@
     <p:sldMasterId id="2147483792" r:id="rId1"/>
   </p:sldMasterIdLst>
   <p:notesMasterIdLst>
-    <p:notesMasterId r:id="rId17"/>
+    <p:notesMasterId r:id="rId19"/>
   </p:notesMasterIdLst>
   <p:sldIdLst>
     <p:sldId id="256" r:id="rId2"/>
@@ -14,15 +14,17 @@
     <p:sldId id="265" r:id="rId5"/>
     <p:sldId id="257" r:id="rId6"/>
     <p:sldId id="259" r:id="rId7"/>
-    <p:sldId id="271" r:id="rId8"/>
-    <p:sldId id="270" r:id="rId9"/>
-    <p:sldId id="268" r:id="rId10"/>
-    <p:sldId id="267" r:id="rId11"/>
-    <p:sldId id="269" r:id="rId12"/>
-    <p:sldId id="272" r:id="rId13"/>
-    <p:sldId id="261" r:id="rId14"/>
-    <p:sldId id="262" r:id="rId15"/>
-    <p:sldId id="264" r:id="rId16"/>
+    <p:sldId id="273" r:id="rId8"/>
+    <p:sldId id="274" r:id="rId9"/>
+    <p:sldId id="271" r:id="rId10"/>
+    <p:sldId id="270" r:id="rId11"/>
+    <p:sldId id="268" r:id="rId12"/>
+    <p:sldId id="267" r:id="rId13"/>
+    <p:sldId id="269" r:id="rId14"/>
+    <p:sldId id="272" r:id="rId15"/>
+    <p:sldId id="261" r:id="rId16"/>
+    <p:sldId id="262" r:id="rId17"/>
+    <p:sldId id="264" r:id="rId18"/>
   </p:sldIdLst>
   <p:sldSz cx="9144000" cy="6858000" type="screen4x3"/>
   <p:notesSz cx="6858000" cy="9144000"/>
@@ -222,7 +224,7 @@
           <a:p>
             <a:fld id="{B615C48D-2C4B-466D-8AD2-B0795F1F475D}" type="datetimeFigureOut">
               <a:rPr lang="en-US" smtClean="0"/>
-              <a:t>5/30/2021</a:t>
+              <a:t>5/31/2021</a:t>
             </a:fld>
             <a:endParaRPr lang="en-US"/>
           </a:p>
@@ -2301,7 +2303,7 @@
           <a:p>
             <a:fld id="{505E2138-93C7-41B3-9886-9E217E457D36}" type="datetimeFigureOut">
               <a:rPr lang="en-US" smtClean="0"/>
-              <a:t>5/30/2021</a:t>
+              <a:t>5/31/2021</a:t>
             </a:fld>
             <a:endParaRPr lang="en-US"/>
           </a:p>
@@ -2480,7 +2482,7 @@
           <a:p>
             <a:fld id="{505E2138-93C7-41B3-9886-9E217E457D36}" type="datetimeFigureOut">
               <a:rPr lang="en-US" smtClean="0"/>
-              <a:t>5/30/2021</a:t>
+              <a:t>5/31/2021</a:t>
             </a:fld>
             <a:endParaRPr lang="en-US"/>
           </a:p>
@@ -2631,7 +2633,7 @@
           <a:p>
             <a:fld id="{505E2138-93C7-41B3-9886-9E217E457D36}" type="datetimeFigureOut">
               <a:rPr lang="en-US" smtClean="0"/>
-              <a:t>5/30/2021</a:t>
+              <a:t>5/31/2021</a:t>
             </a:fld>
             <a:endParaRPr lang="en-US"/>
           </a:p>
@@ -4456,7 +4458,7 @@
           <a:p>
             <a:fld id="{505E2138-93C7-41B3-9886-9E217E457D36}" type="datetimeFigureOut">
               <a:rPr lang="en-US" smtClean="0"/>
-              <a:t>5/30/2021</a:t>
+              <a:t>5/31/2021</a:t>
             </a:fld>
             <a:endParaRPr lang="en-US"/>
           </a:p>
@@ -6325,7 +6327,7 @@
           <a:p>
             <a:fld id="{505E2138-93C7-41B3-9886-9E217E457D36}" type="datetimeFigureOut">
               <a:rPr lang="en-US" smtClean="0"/>
-              <a:t>5/30/2021</a:t>
+              <a:t>5/31/2021</a:t>
             </a:fld>
             <a:endParaRPr lang="en-US"/>
           </a:p>
@@ -6437,7 +6439,7 @@
           <a:p>
             <a:fld id="{505E2138-93C7-41B3-9886-9E217E457D36}" type="datetimeFigureOut">
               <a:rPr lang="en-US" smtClean="0"/>
-              <a:t>5/30/2021</a:t>
+              <a:t>5/31/2021</a:t>
             </a:fld>
             <a:endParaRPr lang="en-US"/>
           </a:p>
@@ -6975,7 +6977,7 @@
           <a:p>
             <a:fld id="{505E2138-93C7-41B3-9886-9E217E457D36}" type="datetimeFigureOut">
               <a:rPr lang="en-US" smtClean="0"/>
-              <a:t>5/30/2021</a:t>
+              <a:t>5/31/2021</a:t>
             </a:fld>
             <a:endParaRPr lang="en-US"/>
           </a:p>
@@ -7087,7 +7089,7 @@
           <a:p>
             <a:fld id="{505E2138-93C7-41B3-9886-9E217E457D36}" type="datetimeFigureOut">
               <a:rPr lang="en-US" smtClean="0"/>
-              <a:t>5/30/2021</a:t>
+              <a:t>5/31/2021</a:t>
             </a:fld>
             <a:endParaRPr lang="en-US"/>
           </a:p>
@@ -8798,7 +8800,7 @@
           <a:p>
             <a:fld id="{505E2138-93C7-41B3-9886-9E217E457D36}" type="datetimeFigureOut">
               <a:rPr lang="en-US" smtClean="0"/>
-              <a:t>5/30/2021</a:t>
+              <a:t>5/31/2021</a:t>
             </a:fld>
             <a:endParaRPr lang="en-US"/>
           </a:p>
@@ -8949,7 +8951,7 @@
           <a:p>
             <a:fld id="{505E2138-93C7-41B3-9886-9E217E457D36}" type="datetimeFigureOut">
               <a:rPr lang="en-US" smtClean="0"/>
-              <a:t>5/30/2021</a:t>
+              <a:t>5/31/2021</a:t>
             </a:fld>
             <a:endParaRPr lang="en-US"/>
           </a:p>
@@ -12564,7 +12566,7 @@
           <a:p>
             <a:fld id="{505E2138-93C7-41B3-9886-9E217E457D36}" type="datetimeFigureOut">
               <a:rPr lang="en-US" smtClean="0"/>
-              <a:t>5/30/2021</a:t>
+              <a:t>5/31/2021</a:t>
             </a:fld>
             <a:endParaRPr lang="en-US"/>
           </a:p>
@@ -14423,7 +14425,7 @@
           <a:p>
             <a:fld id="{505E2138-93C7-41B3-9886-9E217E457D36}" type="datetimeFigureOut">
               <a:rPr lang="en-US" smtClean="0"/>
-              <a:t>5/30/2021</a:t>
+              <a:t>5/31/2021</a:t>
             </a:fld>
             <a:endParaRPr lang="en-US"/>
           </a:p>
@@ -15092,13 +15094,196 @@
         </p:nvSpPr>
         <p:spPr/>
         <p:txBody>
-          <a:bodyPr/>
+          <a:bodyPr>
+            <a:normAutofit fontScale="90000"/>
+          </a:bodyPr>
           <a:lstStyle/>
           <a:p>
             <a:r>
-              <a:rPr lang="en-US" dirty="0"/>
-              <a:t>Detailed Project Description (  /  )</a:t>
+              <a:rPr lang="en-US" altLang="ko-KR" dirty="0"/>
+              <a:t>Detailed Project Description-vaccine</a:t>
             </a:r>
+            <a:endParaRPr lang="en-US" dirty="0"/>
+          </a:p>
+        </p:txBody>
+      </p:sp>
+      <p:pic>
+        <p:nvPicPr>
+          <p:cNvPr id="7" name="내용 개체 틀 6">
+            <a:extLst>
+              <a:ext uri="{FF2B5EF4-FFF2-40B4-BE49-F238E27FC236}">
+                <a16:creationId xmlns:a16="http://schemas.microsoft.com/office/drawing/2014/main" id="{5EEA304A-9F66-4197-8E13-A931D549478E}"/>
+              </a:ext>
+            </a:extLst>
+          </p:cNvPr>
+          <p:cNvPicPr>
+            <a:picLocks noGrp="1" noChangeAspect="1"/>
+          </p:cNvPicPr>
+          <p:nvPr>
+            <p:ph idx="1"/>
+          </p:nvPr>
+        </p:nvPicPr>
+        <p:blipFill>
+          <a:blip r:embed="rId2">
+            <a:extLst>
+              <a:ext uri="{28A0092B-C50C-407E-A947-70E740481C1C}">
+                <a14:useLocalDpi xmlns:a14="http://schemas.microsoft.com/office/drawing/2010/main" val="0"/>
+              </a:ext>
+            </a:extLst>
+          </a:blip>
+          <a:stretch>
+            <a:fillRect/>
+          </a:stretch>
+        </p:blipFill>
+        <p:spPr>
+          <a:xfrm>
+            <a:off x="2864414" y="2674938"/>
+            <a:ext cx="3423109" cy="3451225"/>
+          </a:xfrm>
+        </p:spPr>
+      </p:pic>
+    </p:spTree>
+    <p:extLst>
+      <p:ext uri="{BB962C8B-B14F-4D97-AF65-F5344CB8AC3E}">
+        <p14:creationId xmlns:p14="http://schemas.microsoft.com/office/powerpoint/2010/main" val="28902290"/>
+      </p:ext>
+    </p:extLst>
+  </p:cSld>
+  <p:clrMapOvr>
+    <a:masterClrMapping/>
+  </p:clrMapOvr>
+</p:sld>
+</file>
+
+<file path=ppt/slides/slide11.xml><?xml version="1.0" encoding="utf-8"?>
+<p:sld xmlns:a="http://schemas.openxmlformats.org/drawingml/2006/main" xmlns:r="http://schemas.openxmlformats.org/officeDocument/2006/relationships" xmlns:p="http://schemas.openxmlformats.org/presentationml/2006/main">
+  <p:cSld>
+    <p:spTree>
+      <p:nvGrpSpPr>
+        <p:cNvPr id="1" name=""/>
+        <p:cNvGrpSpPr/>
+        <p:nvPr/>
+      </p:nvGrpSpPr>
+      <p:grpSpPr>
+        <a:xfrm>
+          <a:off x="0" y="0"/>
+          <a:ext cx="0" cy="0"/>
+          <a:chOff x="0" y="0"/>
+          <a:chExt cx="0" cy="0"/>
+        </a:xfrm>
+      </p:grpSpPr>
+      <p:sp>
+        <p:nvSpPr>
+          <p:cNvPr id="3" name="Title 2"/>
+          <p:cNvSpPr>
+            <a:spLocks noGrp="1"/>
+          </p:cNvSpPr>
+          <p:nvPr>
+            <p:ph type="title"/>
+          </p:nvPr>
+        </p:nvSpPr>
+        <p:spPr/>
+        <p:txBody>
+          <a:bodyPr>
+            <a:normAutofit fontScale="90000"/>
+          </a:bodyPr>
+          <a:lstStyle/>
+          <a:p>
+            <a:r>
+              <a:rPr lang="en-US" altLang="ko-KR" dirty="0"/>
+              <a:t>Detailed Project Description-vaccine</a:t>
+            </a:r>
+            <a:endParaRPr lang="en-US" dirty="0"/>
+          </a:p>
+        </p:txBody>
+      </p:sp>
+      <p:pic>
+        <p:nvPicPr>
+          <p:cNvPr id="7" name="내용 개체 틀 6">
+            <a:extLst>
+              <a:ext uri="{FF2B5EF4-FFF2-40B4-BE49-F238E27FC236}">
+                <a16:creationId xmlns:a16="http://schemas.microsoft.com/office/drawing/2014/main" id="{3F9B83D6-0B28-4768-9369-1E19BBEA43D1}"/>
+              </a:ext>
+            </a:extLst>
+          </p:cNvPr>
+          <p:cNvPicPr>
+            <a:picLocks noGrp="1" noChangeAspect="1"/>
+          </p:cNvPicPr>
+          <p:nvPr>
+            <p:ph idx="1"/>
+          </p:nvPr>
+        </p:nvPicPr>
+        <p:blipFill>
+          <a:blip r:embed="rId2">
+            <a:extLst>
+              <a:ext uri="{28A0092B-C50C-407E-A947-70E740481C1C}">
+                <a14:useLocalDpi xmlns:a14="http://schemas.microsoft.com/office/drawing/2010/main" val="0"/>
+              </a:ext>
+            </a:extLst>
+          </a:blip>
+          <a:stretch>
+            <a:fillRect/>
+          </a:stretch>
+        </p:blipFill>
+        <p:spPr>
+          <a:xfrm>
+            <a:off x="2871315" y="2674938"/>
+            <a:ext cx="3409307" cy="3451225"/>
+          </a:xfrm>
+        </p:spPr>
+      </p:pic>
+    </p:spTree>
+    <p:extLst>
+      <p:ext uri="{BB962C8B-B14F-4D97-AF65-F5344CB8AC3E}">
+        <p14:creationId xmlns:p14="http://schemas.microsoft.com/office/powerpoint/2010/main" val="638840280"/>
+      </p:ext>
+    </p:extLst>
+  </p:cSld>
+  <p:clrMapOvr>
+    <a:masterClrMapping/>
+  </p:clrMapOvr>
+</p:sld>
+</file>
+
+<file path=ppt/slides/slide12.xml><?xml version="1.0" encoding="utf-8"?>
+<p:sld xmlns:a="http://schemas.openxmlformats.org/drawingml/2006/main" xmlns:r="http://schemas.openxmlformats.org/officeDocument/2006/relationships" xmlns:p="http://schemas.openxmlformats.org/presentationml/2006/main">
+  <p:cSld>
+    <p:spTree>
+      <p:nvGrpSpPr>
+        <p:cNvPr id="1" name=""/>
+        <p:cNvGrpSpPr/>
+        <p:nvPr/>
+      </p:nvGrpSpPr>
+      <p:grpSpPr>
+        <a:xfrm>
+          <a:off x="0" y="0"/>
+          <a:ext cx="0" cy="0"/>
+          <a:chOff x="0" y="0"/>
+          <a:chExt cx="0" cy="0"/>
+        </a:xfrm>
+      </p:grpSpPr>
+      <p:sp>
+        <p:nvSpPr>
+          <p:cNvPr id="3" name="Title 2"/>
+          <p:cNvSpPr>
+            <a:spLocks noGrp="1"/>
+          </p:cNvSpPr>
+          <p:nvPr>
+            <p:ph type="title"/>
+          </p:nvPr>
+        </p:nvSpPr>
+        <p:spPr/>
+        <p:txBody>
+          <a:bodyPr>
+            <a:normAutofit fontScale="90000"/>
+          </a:bodyPr>
+          <a:lstStyle/>
+          <a:p>
+            <a:r>
+              <a:rPr lang="en-US" altLang="ko-KR" dirty="0"/>
+              <a:t>Detailed Project Description-vaccine</a:t>
+            </a:r>
+            <a:endParaRPr lang="en-US" dirty="0"/>
           </a:p>
         </p:txBody>
       </p:sp>
@@ -15150,7 +15335,7 @@
 </p:sld>
 </file>
 
-<file path=ppt/slides/slide11.xml><?xml version="1.0" encoding="utf-8"?>
+<file path=ppt/slides/slide13.xml><?xml version="1.0" encoding="utf-8"?>
 <p:sld xmlns:a="http://schemas.openxmlformats.org/drawingml/2006/main" xmlns:r="http://schemas.openxmlformats.org/officeDocument/2006/relationships" xmlns:p="http://schemas.openxmlformats.org/presentationml/2006/main">
   <p:cSld>
     <p:spTree>
@@ -15179,13 +15364,16 @@
         </p:nvSpPr>
         <p:spPr/>
         <p:txBody>
-          <a:bodyPr/>
+          <a:bodyPr>
+            <a:normAutofit fontScale="90000"/>
+          </a:bodyPr>
           <a:lstStyle/>
           <a:p>
             <a:r>
-              <a:rPr lang="en-US" dirty="0"/>
-              <a:t>Detailed Project Description (  /  )</a:t>
+              <a:rPr lang="en-US" altLang="ko-KR" dirty="0"/>
+              <a:t>Detailed Project Description-vaccine</a:t>
             </a:r>
+            <a:endParaRPr lang="en-US" dirty="0"/>
           </a:p>
         </p:txBody>
       </p:sp>
@@ -15237,7 +15425,7 @@
 </p:sld>
 </file>
 
-<file path=ppt/slides/slide12.xml><?xml version="1.0" encoding="utf-8"?>
+<file path=ppt/slides/slide14.xml><?xml version="1.0" encoding="utf-8"?>
 <p:sld xmlns:a="http://schemas.openxmlformats.org/drawingml/2006/main" xmlns:r="http://schemas.openxmlformats.org/officeDocument/2006/relationships" xmlns:p="http://schemas.openxmlformats.org/presentationml/2006/main">
   <p:cSld>
     <p:spTree>
@@ -15266,13 +15454,16 @@
         </p:nvSpPr>
         <p:spPr/>
         <p:txBody>
-          <a:bodyPr/>
+          <a:bodyPr>
+            <a:normAutofit fontScale="90000"/>
+          </a:bodyPr>
           <a:lstStyle/>
           <a:p>
             <a:r>
-              <a:rPr lang="en-US" dirty="0"/>
-              <a:t>Detailed Project Description (  /  )</a:t>
+              <a:rPr lang="en-US" altLang="ko-KR" dirty="0"/>
+              <a:t>Detailed Project Description-vaccine</a:t>
             </a:r>
+            <a:endParaRPr lang="en-US" dirty="0"/>
           </a:p>
         </p:txBody>
       </p:sp>
@@ -15324,7 +15515,7 @@
 </p:sld>
 </file>
 
-<file path=ppt/slides/slide13.xml><?xml version="1.0" encoding="utf-8"?>
+<file path=ppt/slides/slide15.xml><?xml version="1.0" encoding="utf-8"?>
 <p:sld xmlns:a="http://schemas.openxmlformats.org/drawingml/2006/main" xmlns:r="http://schemas.openxmlformats.org/officeDocument/2006/relationships" xmlns:p="http://schemas.openxmlformats.org/presentationml/2006/main">
   <p:cSld>
     <p:spTree>
@@ -15437,7 +15628,7 @@
             <a:pPr lvl="1"/>
             <a:r>
               <a:rPr lang="en-US" dirty="0"/>
-              <a:t>Utility Libraries: O </a:t>
+              <a:t>Utility Libraries: X</a:t>
             </a:r>
           </a:p>
           <a:p>
@@ -15517,7 +15708,7 @@
 </p:sld>
 </file>
 
-<file path=ppt/slides/slide14.xml><?xml version="1.0" encoding="utf-8"?>
+<file path=ppt/slides/slide16.xml><?xml version="1.0" encoding="utf-8"?>
 <p:sld xmlns:a="http://schemas.openxmlformats.org/drawingml/2006/main" xmlns:r="http://schemas.openxmlformats.org/officeDocument/2006/relationships" xmlns:p="http://schemas.openxmlformats.org/presentationml/2006/main">
   <p:cSld>
     <p:spTree>
@@ -15592,7 +15783,7 @@
 </p:sld>
 </file>
 
-<file path=ppt/slides/slide15.xml><?xml version="1.0" encoding="utf-8"?>
+<file path=ppt/slides/slide17.xml><?xml version="1.0" encoding="utf-8"?>
 <p:sld xmlns:a="http://schemas.openxmlformats.org/drawingml/2006/main" xmlns:r="http://schemas.openxmlformats.org/officeDocument/2006/relationships" xmlns:p="http://schemas.openxmlformats.org/presentationml/2006/main">
   <p:cSld>
     <p:spTree>
@@ -15805,12 +15996,14 @@
         </p:nvSpPr>
         <p:spPr/>
         <p:txBody>
-          <a:bodyPr/>
+          <a:bodyPr>
+            <a:normAutofit fontScale="90000"/>
+          </a:bodyPr>
           <a:lstStyle/>
           <a:p>
             <a:r>
               <a:rPr lang="en-US" dirty="0"/>
-              <a:t>Detailed Project Description (  /  )</a:t>
+              <a:t>Detailed Project Description-landing</a:t>
             </a:r>
           </a:p>
         </p:txBody>
@@ -15892,13 +16085,16 @@
         </p:nvSpPr>
         <p:spPr/>
         <p:txBody>
-          <a:bodyPr/>
+          <a:bodyPr>
+            <a:normAutofit fontScale="90000"/>
+          </a:bodyPr>
           <a:lstStyle/>
           <a:p>
             <a:r>
-              <a:rPr lang="en-US" dirty="0"/>
-              <a:t>Detailed Project Description (  /  )</a:t>
+              <a:rPr lang="en-US" altLang="ko-KR" dirty="0"/>
+              <a:t>Detailed Project Description-landing</a:t>
             </a:r>
+            <a:endParaRPr lang="en-US" dirty="0"/>
           </a:p>
         </p:txBody>
       </p:sp>
@@ -16014,13 +16210,16 @@
         </p:nvSpPr>
         <p:spPr/>
         <p:txBody>
-          <a:bodyPr/>
+          <a:bodyPr>
+            <a:normAutofit fontScale="90000"/>
+          </a:bodyPr>
           <a:lstStyle/>
           <a:p>
             <a:r>
-              <a:rPr lang="en-US" dirty="0"/>
-              <a:t>Detailed Project Description (  /  )</a:t>
+              <a:rPr lang="en-US" altLang="ko-KR" dirty="0"/>
+              <a:t>Detailed Project Description-country</a:t>
             </a:r>
+            <a:endParaRPr lang="en-US" dirty="0"/>
           </a:p>
         </p:txBody>
       </p:sp>
@@ -16066,13 +16265,16 @@
         </p:nvSpPr>
         <p:spPr/>
         <p:txBody>
-          <a:bodyPr/>
+          <a:bodyPr>
+            <a:normAutofit fontScale="90000"/>
+          </a:bodyPr>
           <a:lstStyle/>
           <a:p>
             <a:r>
-              <a:rPr lang="en-US" dirty="0"/>
-              <a:t>Detailed Project Description (  /  )</a:t>
+              <a:rPr lang="en-US" altLang="ko-KR" dirty="0"/>
+              <a:t>Detailed Project Description-country</a:t>
             </a:r>
+            <a:endParaRPr lang="en-US" dirty="0"/>
           </a:p>
         </p:txBody>
       </p:sp>
@@ -16153,13 +16355,181 @@
         </p:nvSpPr>
         <p:spPr/>
         <p:txBody>
+          <a:bodyPr>
+            <a:normAutofit fontScale="90000"/>
+          </a:bodyPr>
+          <a:lstStyle/>
+          <a:p>
+            <a:r>
+              <a:rPr lang="en-US" altLang="ko-KR" dirty="0"/>
+              <a:t>Detailed Project Description-country</a:t>
+            </a:r>
+            <a:endParaRPr lang="en-US" dirty="0"/>
+          </a:p>
+        </p:txBody>
+      </p:sp>
+      <p:sp>
+        <p:nvSpPr>
+          <p:cNvPr id="4" name="내용 개체 틀 3">
+            <a:extLst>
+              <a:ext uri="{FF2B5EF4-FFF2-40B4-BE49-F238E27FC236}">
+                <a16:creationId xmlns:a16="http://schemas.microsoft.com/office/drawing/2014/main" id="{9BB0FA67-5ACF-4970-B678-8573E9A01D0D}"/>
+              </a:ext>
+            </a:extLst>
+          </p:cNvPr>
+          <p:cNvSpPr>
+            <a:spLocks noGrp="1"/>
+          </p:cNvSpPr>
+          <p:nvPr>
+            <p:ph idx="1"/>
+          </p:nvPr>
+        </p:nvSpPr>
+        <p:spPr/>
+        <p:txBody>
           <a:bodyPr/>
           <a:lstStyle/>
           <a:p>
+            <a:endParaRPr lang="ko-KR" altLang="en-US"/>
+          </a:p>
+        </p:txBody>
+      </p:sp>
+    </p:spTree>
+    <p:extLst>
+      <p:ext uri="{BB962C8B-B14F-4D97-AF65-F5344CB8AC3E}">
+        <p14:creationId xmlns:p14="http://schemas.microsoft.com/office/powerpoint/2010/main" val="1983193553"/>
+      </p:ext>
+    </p:extLst>
+  </p:cSld>
+  <p:clrMapOvr>
+    <a:masterClrMapping/>
+  </p:clrMapOvr>
+</p:sld>
+</file>
+
+<file path=ppt/slides/slide8.xml><?xml version="1.0" encoding="utf-8"?>
+<p:sld xmlns:a="http://schemas.openxmlformats.org/drawingml/2006/main" xmlns:r="http://schemas.openxmlformats.org/officeDocument/2006/relationships" xmlns:p="http://schemas.openxmlformats.org/presentationml/2006/main">
+  <p:cSld>
+    <p:spTree>
+      <p:nvGrpSpPr>
+        <p:cNvPr id="1" name=""/>
+        <p:cNvGrpSpPr/>
+        <p:nvPr/>
+      </p:nvGrpSpPr>
+      <p:grpSpPr>
+        <a:xfrm>
+          <a:off x="0" y="0"/>
+          <a:ext cx="0" cy="0"/>
+          <a:chOff x="0" y="0"/>
+          <a:chExt cx="0" cy="0"/>
+        </a:xfrm>
+      </p:grpSpPr>
+      <p:sp>
+        <p:nvSpPr>
+          <p:cNvPr id="3" name="Title 2"/>
+          <p:cNvSpPr>
+            <a:spLocks noGrp="1"/>
+          </p:cNvSpPr>
+          <p:nvPr>
+            <p:ph type="title"/>
+          </p:nvPr>
+        </p:nvSpPr>
+        <p:spPr>
+          <a:xfrm>
+            <a:off x="457200" y="338328"/>
+            <a:ext cx="8305800" cy="1252728"/>
+          </a:xfrm>
+        </p:spPr>
+        <p:txBody>
+          <a:bodyPr>
+            <a:normAutofit fontScale="90000"/>
+          </a:bodyPr>
+          <a:lstStyle/>
+          <a:p>
             <a:r>
-              <a:rPr lang="en-US" dirty="0"/>
-              <a:t>Detailed Project Description (  /  )</a:t>
+              <a:rPr lang="en-US" altLang="ko-KR" dirty="0"/>
+              <a:t>Detailed Project Description-company</a:t>
             </a:r>
+            <a:endParaRPr lang="en-US" dirty="0"/>
+          </a:p>
+        </p:txBody>
+      </p:sp>
+      <p:sp>
+        <p:nvSpPr>
+          <p:cNvPr id="4" name="내용 개체 틀 3">
+            <a:extLst>
+              <a:ext uri="{FF2B5EF4-FFF2-40B4-BE49-F238E27FC236}">
+                <a16:creationId xmlns:a16="http://schemas.microsoft.com/office/drawing/2014/main" id="{CFCE9CD4-99A8-4304-B4FF-0B3088F5D396}"/>
+              </a:ext>
+            </a:extLst>
+          </p:cNvPr>
+          <p:cNvSpPr>
+            <a:spLocks noGrp="1"/>
+          </p:cNvSpPr>
+          <p:nvPr>
+            <p:ph idx="1"/>
+          </p:nvPr>
+        </p:nvSpPr>
+        <p:spPr/>
+        <p:txBody>
+          <a:bodyPr/>
+          <a:lstStyle/>
+          <a:p>
+            <a:endParaRPr lang="ko-KR" altLang="en-US"/>
+          </a:p>
+        </p:txBody>
+      </p:sp>
+    </p:spTree>
+    <p:extLst>
+      <p:ext uri="{BB962C8B-B14F-4D97-AF65-F5344CB8AC3E}">
+        <p14:creationId xmlns:p14="http://schemas.microsoft.com/office/powerpoint/2010/main" val="2146139706"/>
+      </p:ext>
+    </p:extLst>
+  </p:cSld>
+  <p:clrMapOvr>
+    <a:masterClrMapping/>
+  </p:clrMapOvr>
+</p:sld>
+</file>
+
+<file path=ppt/slides/slide9.xml><?xml version="1.0" encoding="utf-8"?>
+<p:sld xmlns:a="http://schemas.openxmlformats.org/drawingml/2006/main" xmlns:r="http://schemas.openxmlformats.org/officeDocument/2006/relationships" xmlns:p="http://schemas.openxmlformats.org/presentationml/2006/main">
+  <p:cSld>
+    <p:spTree>
+      <p:nvGrpSpPr>
+        <p:cNvPr id="1" name=""/>
+        <p:cNvGrpSpPr/>
+        <p:nvPr/>
+      </p:nvGrpSpPr>
+      <p:grpSpPr>
+        <a:xfrm>
+          <a:off x="0" y="0"/>
+          <a:ext cx="0" cy="0"/>
+          <a:chOff x="0" y="0"/>
+          <a:chExt cx="0" cy="0"/>
+        </a:xfrm>
+      </p:grpSpPr>
+      <p:sp>
+        <p:nvSpPr>
+          <p:cNvPr id="3" name="Title 2"/>
+          <p:cNvSpPr>
+            <a:spLocks noGrp="1"/>
+          </p:cNvSpPr>
+          <p:nvPr>
+            <p:ph type="title"/>
+          </p:nvPr>
+        </p:nvSpPr>
+        <p:spPr/>
+        <p:txBody>
+          <a:bodyPr>
+            <a:normAutofit fontScale="90000"/>
+          </a:bodyPr>
+          <a:lstStyle/>
+          <a:p>
+            <a:r>
+              <a:rPr lang="en-US" altLang="ko-KR" dirty="0"/>
+              <a:t>Detailed Project Description-vaccine</a:t>
+            </a:r>
+            <a:endParaRPr lang="en-US" dirty="0"/>
           </a:p>
         </p:txBody>
       </p:sp>
@@ -16202,180 +16572,6 @@
     <p:extLst>
       <p:ext uri="{BB962C8B-B14F-4D97-AF65-F5344CB8AC3E}">
         <p14:creationId xmlns:p14="http://schemas.microsoft.com/office/powerpoint/2010/main" val="2747576367"/>
-      </p:ext>
-    </p:extLst>
-  </p:cSld>
-  <p:clrMapOvr>
-    <a:masterClrMapping/>
-  </p:clrMapOvr>
-</p:sld>
-</file>
-
-<file path=ppt/slides/slide8.xml><?xml version="1.0" encoding="utf-8"?>
-<p:sld xmlns:a="http://schemas.openxmlformats.org/drawingml/2006/main" xmlns:r="http://schemas.openxmlformats.org/officeDocument/2006/relationships" xmlns:p="http://schemas.openxmlformats.org/presentationml/2006/main">
-  <p:cSld>
-    <p:spTree>
-      <p:nvGrpSpPr>
-        <p:cNvPr id="1" name=""/>
-        <p:cNvGrpSpPr/>
-        <p:nvPr/>
-      </p:nvGrpSpPr>
-      <p:grpSpPr>
-        <a:xfrm>
-          <a:off x="0" y="0"/>
-          <a:ext cx="0" cy="0"/>
-          <a:chOff x="0" y="0"/>
-          <a:chExt cx="0" cy="0"/>
-        </a:xfrm>
-      </p:grpSpPr>
-      <p:sp>
-        <p:nvSpPr>
-          <p:cNvPr id="3" name="Title 2"/>
-          <p:cNvSpPr>
-            <a:spLocks noGrp="1"/>
-          </p:cNvSpPr>
-          <p:nvPr>
-            <p:ph type="title"/>
-          </p:nvPr>
-        </p:nvSpPr>
-        <p:spPr/>
-        <p:txBody>
-          <a:bodyPr/>
-          <a:lstStyle/>
-          <a:p>
-            <a:r>
-              <a:rPr lang="en-US" dirty="0"/>
-              <a:t>Detailed Project Description (  /  )</a:t>
-            </a:r>
-          </a:p>
-        </p:txBody>
-      </p:sp>
-      <p:pic>
-        <p:nvPicPr>
-          <p:cNvPr id="7" name="내용 개체 틀 6">
-            <a:extLst>
-              <a:ext uri="{FF2B5EF4-FFF2-40B4-BE49-F238E27FC236}">
-                <a16:creationId xmlns:a16="http://schemas.microsoft.com/office/drawing/2014/main" id="{5EEA304A-9F66-4197-8E13-A931D549478E}"/>
-              </a:ext>
-            </a:extLst>
-          </p:cNvPr>
-          <p:cNvPicPr>
-            <a:picLocks noGrp="1" noChangeAspect="1"/>
-          </p:cNvPicPr>
-          <p:nvPr>
-            <p:ph idx="1"/>
-          </p:nvPr>
-        </p:nvPicPr>
-        <p:blipFill>
-          <a:blip r:embed="rId2">
-            <a:extLst>
-              <a:ext uri="{28A0092B-C50C-407E-A947-70E740481C1C}">
-                <a14:useLocalDpi xmlns:a14="http://schemas.microsoft.com/office/drawing/2010/main" val="0"/>
-              </a:ext>
-            </a:extLst>
-          </a:blip>
-          <a:stretch>
-            <a:fillRect/>
-          </a:stretch>
-        </p:blipFill>
-        <p:spPr>
-          <a:xfrm>
-            <a:off x="2864414" y="2674938"/>
-            <a:ext cx="3423109" cy="3451225"/>
-          </a:xfrm>
-        </p:spPr>
-      </p:pic>
-    </p:spTree>
-    <p:extLst>
-      <p:ext uri="{BB962C8B-B14F-4D97-AF65-F5344CB8AC3E}">
-        <p14:creationId xmlns:p14="http://schemas.microsoft.com/office/powerpoint/2010/main" val="28902290"/>
-      </p:ext>
-    </p:extLst>
-  </p:cSld>
-  <p:clrMapOvr>
-    <a:masterClrMapping/>
-  </p:clrMapOvr>
-</p:sld>
-</file>
-
-<file path=ppt/slides/slide9.xml><?xml version="1.0" encoding="utf-8"?>
-<p:sld xmlns:a="http://schemas.openxmlformats.org/drawingml/2006/main" xmlns:r="http://schemas.openxmlformats.org/officeDocument/2006/relationships" xmlns:p="http://schemas.openxmlformats.org/presentationml/2006/main">
-  <p:cSld>
-    <p:spTree>
-      <p:nvGrpSpPr>
-        <p:cNvPr id="1" name=""/>
-        <p:cNvGrpSpPr/>
-        <p:nvPr/>
-      </p:nvGrpSpPr>
-      <p:grpSpPr>
-        <a:xfrm>
-          <a:off x="0" y="0"/>
-          <a:ext cx="0" cy="0"/>
-          <a:chOff x="0" y="0"/>
-          <a:chExt cx="0" cy="0"/>
-        </a:xfrm>
-      </p:grpSpPr>
-      <p:sp>
-        <p:nvSpPr>
-          <p:cNvPr id="3" name="Title 2"/>
-          <p:cNvSpPr>
-            <a:spLocks noGrp="1"/>
-          </p:cNvSpPr>
-          <p:nvPr>
-            <p:ph type="title"/>
-          </p:nvPr>
-        </p:nvSpPr>
-        <p:spPr/>
-        <p:txBody>
-          <a:bodyPr/>
-          <a:lstStyle/>
-          <a:p>
-            <a:r>
-              <a:rPr lang="en-US" dirty="0"/>
-              <a:t>Detailed Project Description (  /  )</a:t>
-            </a:r>
-          </a:p>
-        </p:txBody>
-      </p:sp>
-      <p:pic>
-        <p:nvPicPr>
-          <p:cNvPr id="7" name="내용 개체 틀 6">
-            <a:extLst>
-              <a:ext uri="{FF2B5EF4-FFF2-40B4-BE49-F238E27FC236}">
-                <a16:creationId xmlns:a16="http://schemas.microsoft.com/office/drawing/2014/main" id="{3F9B83D6-0B28-4768-9369-1E19BBEA43D1}"/>
-              </a:ext>
-            </a:extLst>
-          </p:cNvPr>
-          <p:cNvPicPr>
-            <a:picLocks noGrp="1" noChangeAspect="1"/>
-          </p:cNvPicPr>
-          <p:nvPr>
-            <p:ph idx="1"/>
-          </p:nvPr>
-        </p:nvPicPr>
-        <p:blipFill>
-          <a:blip r:embed="rId2">
-            <a:extLst>
-              <a:ext uri="{28A0092B-C50C-407E-A947-70E740481C1C}">
-                <a14:useLocalDpi xmlns:a14="http://schemas.microsoft.com/office/drawing/2010/main" val="0"/>
-              </a:ext>
-            </a:extLst>
-          </a:blip>
-          <a:stretch>
-            <a:fillRect/>
-          </a:stretch>
-        </p:blipFill>
-        <p:spPr>
-          <a:xfrm>
-            <a:off x="2871315" y="2674938"/>
-            <a:ext cx="3409307" cy="3451225"/>
-          </a:xfrm>
-        </p:spPr>
-      </p:pic>
-    </p:spTree>
-    <p:extLst>
-      <p:ext uri="{BB962C8B-B14F-4D97-AF65-F5344CB8AC3E}">
-        <p14:creationId xmlns:p14="http://schemas.microsoft.com/office/powerpoint/2010/main" val="638840280"/>
       </p:ext>
     </p:extLst>
   </p:cSld>
